--- a/[모듈] 17.pptx
+++ b/[모듈] 17.pptx
@@ -5,19 +5,21 @@
     <p:sldMasterId id="2147483648" r:id="rId1"/>
   </p:sldMasterIdLst>
   <p:notesMasterIdLst>
-    <p:notesMasterId r:id="rId12"/>
+    <p:notesMasterId r:id="rId14"/>
   </p:notesMasterIdLst>
   <p:sldIdLst>
     <p:sldId id="258" r:id="rId2"/>
     <p:sldId id="257" r:id="rId3"/>
     <p:sldId id="354" r:id="rId4"/>
-    <p:sldId id="356" r:id="rId5"/>
-    <p:sldId id="358" r:id="rId6"/>
+    <p:sldId id="364" r:id="rId5"/>
+    <p:sldId id="365" r:id="rId6"/>
     <p:sldId id="355" r:id="rId7"/>
     <p:sldId id="357" r:id="rId8"/>
-    <p:sldId id="361" r:id="rId9"/>
-    <p:sldId id="362" r:id="rId10"/>
-    <p:sldId id="286" r:id="rId11"/>
+    <p:sldId id="362" r:id="rId9"/>
+    <p:sldId id="368" r:id="rId10"/>
+    <p:sldId id="369" r:id="rId11"/>
+    <p:sldId id="286" r:id="rId12"/>
+    <p:sldId id="363" r:id="rId13"/>
   </p:sldIdLst>
   <p:sldSz cx="12192000" cy="6858000"/>
   <p:notesSz cx="6858000" cy="9144000"/>
@@ -218,7 +220,7 @@
           <a:p>
             <a:fld id="{12964FBC-A603-4149-BCAB-2D4F768B91F6}" type="datetimeFigureOut">
               <a:rPr lang="ko-KR" altLang="en-US" smtClean="0"/>
-              <a:t>2025-11-27</a:t>
+              <a:t>2025-11-28</a:t>
             </a:fld>
             <a:endParaRPr lang="ko-KR" altLang="en-US"/>
           </a:p>
@@ -632,7 +634,7 @@
           <a:p>
             <a:fld id="{1D5F23D8-EC25-4018-9CD7-C53C9D694542}" type="datetimeFigureOut">
               <a:rPr lang="ko-KR" altLang="en-US" smtClean="0"/>
-              <a:t>2025-11-27</a:t>
+              <a:t>2025-11-28</a:t>
             </a:fld>
             <a:endParaRPr lang="ko-KR" altLang="en-US"/>
           </a:p>
@@ -830,7 +832,7 @@
           <a:p>
             <a:fld id="{1D5F23D8-EC25-4018-9CD7-C53C9D694542}" type="datetimeFigureOut">
               <a:rPr lang="ko-KR" altLang="en-US" smtClean="0"/>
-              <a:t>2025-11-27</a:t>
+              <a:t>2025-11-28</a:t>
             </a:fld>
             <a:endParaRPr lang="ko-KR" altLang="en-US"/>
           </a:p>
@@ -1038,7 +1040,7 @@
           <a:p>
             <a:fld id="{1D5F23D8-EC25-4018-9CD7-C53C9D694542}" type="datetimeFigureOut">
               <a:rPr lang="ko-KR" altLang="en-US" smtClean="0"/>
-              <a:t>2025-11-27</a:t>
+              <a:t>2025-11-28</a:t>
             </a:fld>
             <a:endParaRPr lang="ko-KR" altLang="en-US"/>
           </a:p>
@@ -1236,7 +1238,7 @@
           <a:p>
             <a:fld id="{1D5F23D8-EC25-4018-9CD7-C53C9D694542}" type="datetimeFigureOut">
               <a:rPr lang="ko-KR" altLang="en-US" smtClean="0"/>
-              <a:t>2025-11-27</a:t>
+              <a:t>2025-11-28</a:t>
             </a:fld>
             <a:endParaRPr lang="ko-KR" altLang="en-US"/>
           </a:p>
@@ -1511,7 +1513,7 @@
           <a:p>
             <a:fld id="{1D5F23D8-EC25-4018-9CD7-C53C9D694542}" type="datetimeFigureOut">
               <a:rPr lang="ko-KR" altLang="en-US" smtClean="0"/>
-              <a:t>2025-11-27</a:t>
+              <a:t>2025-11-28</a:t>
             </a:fld>
             <a:endParaRPr lang="ko-KR" altLang="en-US"/>
           </a:p>
@@ -1776,7 +1778,7 @@
           <a:p>
             <a:fld id="{1D5F23D8-EC25-4018-9CD7-C53C9D694542}" type="datetimeFigureOut">
               <a:rPr lang="ko-KR" altLang="en-US" smtClean="0"/>
-              <a:t>2025-11-27</a:t>
+              <a:t>2025-11-28</a:t>
             </a:fld>
             <a:endParaRPr lang="ko-KR" altLang="en-US"/>
           </a:p>
@@ -2188,7 +2190,7 @@
           <a:p>
             <a:fld id="{1D5F23D8-EC25-4018-9CD7-C53C9D694542}" type="datetimeFigureOut">
               <a:rPr lang="ko-KR" altLang="en-US" smtClean="0"/>
-              <a:t>2025-11-27</a:t>
+              <a:t>2025-11-28</a:t>
             </a:fld>
             <a:endParaRPr lang="ko-KR" altLang="en-US"/>
           </a:p>
@@ -2329,7 +2331,7 @@
           <a:p>
             <a:fld id="{1D5F23D8-EC25-4018-9CD7-C53C9D694542}" type="datetimeFigureOut">
               <a:rPr lang="ko-KR" altLang="en-US" smtClean="0"/>
-              <a:t>2025-11-27</a:t>
+              <a:t>2025-11-28</a:t>
             </a:fld>
             <a:endParaRPr lang="ko-KR" altLang="en-US"/>
           </a:p>
@@ -2442,7 +2444,7 @@
           <a:p>
             <a:fld id="{1D5F23D8-EC25-4018-9CD7-C53C9D694542}" type="datetimeFigureOut">
               <a:rPr lang="ko-KR" altLang="en-US" smtClean="0"/>
-              <a:t>2025-11-27</a:t>
+              <a:t>2025-11-28</a:t>
             </a:fld>
             <a:endParaRPr lang="ko-KR" altLang="en-US"/>
           </a:p>
@@ -2753,7 +2755,7 @@
           <a:p>
             <a:fld id="{1D5F23D8-EC25-4018-9CD7-C53C9D694542}" type="datetimeFigureOut">
               <a:rPr lang="ko-KR" altLang="en-US" smtClean="0"/>
-              <a:t>2025-11-27</a:t>
+              <a:t>2025-11-28</a:t>
             </a:fld>
             <a:endParaRPr lang="ko-KR" altLang="en-US"/>
           </a:p>
@@ -3041,7 +3043,7 @@
           <a:p>
             <a:fld id="{1D5F23D8-EC25-4018-9CD7-C53C9D694542}" type="datetimeFigureOut">
               <a:rPr lang="ko-KR" altLang="en-US" smtClean="0"/>
-              <a:t>2025-11-27</a:t>
+              <a:t>2025-11-28</a:t>
             </a:fld>
             <a:endParaRPr lang="ko-KR" altLang="en-US"/>
           </a:p>
@@ -3282,7 +3284,7 @@
           <a:p>
             <a:fld id="{1D5F23D8-EC25-4018-9CD7-C53C9D694542}" type="datetimeFigureOut">
               <a:rPr lang="ko-KR" altLang="en-US" smtClean="0"/>
-              <a:t>2025-11-27</a:t>
+              <a:t>2025-11-28</a:t>
             </a:fld>
             <a:endParaRPr lang="ko-KR" altLang="en-US"/>
           </a:p>
@@ -4383,6 +4385,818 @@
         <p:cNvPr id="1" name="">
           <a:extLst>
             <a:ext uri="{FF2B5EF4-FFF2-40B4-BE49-F238E27FC236}">
+              <a16:creationId xmlns:a16="http://schemas.microsoft.com/office/drawing/2014/main" id="{5847136B-A6BB-1D81-FAFA-C79B68861646}"/>
+            </a:ext>
+          </a:extLst>
+        </p:cNvPr>
+        <p:cNvGrpSpPr/>
+        <p:nvPr/>
+      </p:nvGrpSpPr>
+      <p:grpSpPr>
+        <a:xfrm>
+          <a:off x="0" y="0"/>
+          <a:ext cx="0" cy="0"/>
+          <a:chOff x="0" y="0"/>
+          <a:chExt cx="0" cy="0"/>
+        </a:xfrm>
+      </p:grpSpPr>
+      <p:sp>
+        <p:nvSpPr>
+          <p:cNvPr id="16" name="제목 1">
+            <a:extLst>
+              <a:ext uri="{FF2B5EF4-FFF2-40B4-BE49-F238E27FC236}">
+                <a16:creationId xmlns:a16="http://schemas.microsoft.com/office/drawing/2014/main" id="{65E78ADC-476A-9454-1FF3-4C2A7C014EC9}"/>
+              </a:ext>
+            </a:extLst>
+          </p:cNvPr>
+          <p:cNvSpPr txBox="1">
+            <a:spLocks/>
+          </p:cNvSpPr>
+          <p:nvPr/>
+        </p:nvSpPr>
+        <p:spPr>
+          <a:xfrm>
+            <a:off x="0" y="1"/>
+            <a:ext cx="12191999" cy="1453881"/>
+          </a:xfrm>
+          <a:prstGeom prst="rect">
+            <a:avLst/>
+          </a:prstGeom>
+          <a:solidFill>
+            <a:schemeClr val="bg1"/>
+          </a:solidFill>
+        </p:spPr>
+        <p:txBody>
+          <a:bodyPr vert="horz" lIns="91440" tIns="45720" rIns="91440" bIns="45720" rtlCol="0" anchor="ctr">
+            <a:normAutofit/>
+          </a:bodyPr>
+          <a:lstStyle>
+            <a:lvl1pPr algn="l" defTabSz="914400" rtl="0" eaLnBrk="1" latinLnBrk="1" hangingPunct="1">
+              <a:lnSpc>
+                <a:spcPct val="90000"/>
+              </a:lnSpc>
+              <a:spcBef>
+                <a:spcPct val="0"/>
+              </a:spcBef>
+              <a:buNone/>
+              <a:defRPr sz="4400" kern="1200">
+                <a:solidFill>
+                  <a:schemeClr val="tx1"/>
+                </a:solidFill>
+                <a:latin typeface="+mj-lt"/>
+                <a:ea typeface="+mj-ea"/>
+                <a:cs typeface="+mj-cs"/>
+              </a:defRPr>
+            </a:lvl1pPr>
+          </a:lstStyle>
+          <a:p>
+            <a:pPr marL="0" marR="0" lvl="0" indent="0" algn="ctr" defTabSz="914400" rtl="0" eaLnBrk="1" fontAlgn="auto" latinLnBrk="1" hangingPunct="1">
+              <a:lnSpc>
+                <a:spcPct val="90000"/>
+              </a:lnSpc>
+              <a:spcBef>
+                <a:spcPct val="0"/>
+              </a:spcBef>
+              <a:spcAft>
+                <a:spcPts val="0"/>
+              </a:spcAft>
+              <a:buClrTx/>
+              <a:buSzTx/>
+              <a:buFontTx/>
+              <a:buNone/>
+              <a:tabLst/>
+              <a:defRPr/>
+            </a:pPr>
+            <a:r>
+              <a:rPr lang="en-US" altLang="ko-KR" sz="2800" dirty="0">
+                <a:solidFill>
+                  <a:prstClr val="black"/>
+                </a:solidFill>
+                <a:latin typeface="맑은 고딕" panose="020B0503020000020004" pitchFamily="50" charset="-127"/>
+                <a:ea typeface="맑은 고딕" panose="020B0503020000020004" pitchFamily="50" charset="-127"/>
+              </a:rPr>
+              <a:t>9</a:t>
+            </a:r>
+            <a:r>
+              <a:rPr kumimoji="0" lang="en-US" altLang="ko-KR" sz="2800" b="0" i="0" u="none" strike="noStrike" kern="1200" cap="none" spc="0" normalizeH="0" baseline="0" noProof="0" dirty="0">
+                <a:ln>
+                  <a:noFill/>
+                </a:ln>
+                <a:solidFill>
+                  <a:prstClr val="black"/>
+                </a:solidFill>
+                <a:effectLst/>
+                <a:uLnTx/>
+                <a:uFillTx/>
+                <a:latin typeface="맑은 고딕" panose="020B0503020000020004" pitchFamily="50" charset="-127"/>
+                <a:ea typeface="맑은 고딕" panose="020B0503020000020004" pitchFamily="50" charset="-127"/>
+                <a:cs typeface="+mj-cs"/>
+              </a:rPr>
+              <a:t>. </a:t>
+            </a:r>
+            <a:r>
+              <a:rPr kumimoji="0" lang="ko-KR" altLang="en-US" sz="2800" b="0" i="0" u="none" strike="noStrike" kern="1200" cap="none" spc="0" normalizeH="0" baseline="0" noProof="0" dirty="0">
+                <a:ln>
+                  <a:noFill/>
+                </a:ln>
+                <a:solidFill>
+                  <a:prstClr val="black"/>
+                </a:solidFill>
+                <a:effectLst/>
+                <a:uLnTx/>
+                <a:uFillTx/>
+                <a:latin typeface="맑은 고딕" panose="020B0503020000020004" pitchFamily="50" charset="-127"/>
+                <a:ea typeface="맑은 고딕" panose="020B0503020000020004" pitchFamily="50" charset="-127"/>
+                <a:cs typeface="+mj-cs"/>
+              </a:rPr>
+              <a:t>프로젝트 개발 시 겪었던 점</a:t>
+            </a:r>
+          </a:p>
+        </p:txBody>
+      </p:sp>
+      <p:pic>
+        <p:nvPicPr>
+          <p:cNvPr id="3" name="그림 2" descr="일러스트레이션, 선그림, 디자인이(가) 표시된 사진&#10;&#10;AI 생성 콘텐츠는 정확하지 않을 수 있습니다.">
+            <a:extLst>
+              <a:ext uri="{FF2B5EF4-FFF2-40B4-BE49-F238E27FC236}">
+                <a16:creationId xmlns:a16="http://schemas.microsoft.com/office/drawing/2014/main" id="{EDF55BD1-195D-E2CC-A2C8-8DB3D9357D84}"/>
+              </a:ext>
+            </a:extLst>
+          </p:cNvPr>
+          <p:cNvPicPr>
+            <a:picLocks noChangeAspect="1"/>
+          </p:cNvPicPr>
+          <p:nvPr/>
+        </p:nvPicPr>
+        <p:blipFill>
+          <a:blip r:embed="rId2">
+            <a:extLst>
+              <a:ext uri="{28A0092B-C50C-407E-A947-70E740481C1C}">
+                <a14:useLocalDpi xmlns:a14="http://schemas.microsoft.com/office/drawing/2010/main" val="0"/>
+              </a:ext>
+            </a:extLst>
+          </a:blip>
+          <a:stretch>
+            <a:fillRect/>
+          </a:stretch>
+        </p:blipFill>
+        <p:spPr>
+          <a:xfrm>
+            <a:off x="312511" y="319316"/>
+            <a:ext cx="815249" cy="815249"/>
+          </a:xfrm>
+          <a:prstGeom prst="rect">
+            <a:avLst/>
+          </a:prstGeom>
+        </p:spPr>
+      </p:pic>
+      <p:sp>
+        <p:nvSpPr>
+          <p:cNvPr id="42" name="TextBox 41">
+            <a:extLst>
+              <a:ext uri="{FF2B5EF4-FFF2-40B4-BE49-F238E27FC236}">
+                <a16:creationId xmlns:a16="http://schemas.microsoft.com/office/drawing/2014/main" id="{E081CC60-FAA6-4FCF-900D-7F243F1B55D5}"/>
+              </a:ext>
+            </a:extLst>
+          </p:cNvPr>
+          <p:cNvSpPr txBox="1"/>
+          <p:nvPr/>
+        </p:nvSpPr>
+        <p:spPr>
+          <a:xfrm>
+            <a:off x="11513819" y="6389609"/>
+            <a:ext cx="678180" cy="369332"/>
+          </a:xfrm>
+          <a:prstGeom prst="rect">
+            <a:avLst/>
+          </a:prstGeom>
+          <a:noFill/>
+        </p:spPr>
+        <p:txBody>
+          <a:bodyPr wrap="square" rtlCol="0">
+            <a:spAutoFit/>
+          </a:bodyPr>
+          <a:lstStyle/>
+          <a:p>
+            <a:pPr marL="0" marR="0" lvl="0" indent="0" algn="ctr" defTabSz="914400" rtl="0" eaLnBrk="1" fontAlgn="auto" latinLnBrk="1" hangingPunct="1">
+              <a:lnSpc>
+                <a:spcPct val="100000"/>
+              </a:lnSpc>
+              <a:spcBef>
+                <a:spcPts val="0"/>
+              </a:spcBef>
+              <a:spcAft>
+                <a:spcPts val="0"/>
+              </a:spcAft>
+              <a:buClrTx/>
+              <a:buSzTx/>
+              <a:buFontTx/>
+              <a:buNone/>
+              <a:tabLst/>
+              <a:defRPr/>
+            </a:pPr>
+            <a:r>
+              <a:rPr lang="en-US" altLang="ko-KR" dirty="0">
+                <a:solidFill>
+                  <a:prstClr val="white"/>
+                </a:solidFill>
+                <a:latin typeface="맑은 고딕" panose="020F0502020204030204"/>
+                <a:ea typeface="맑은 고딕" panose="020B0503020000020004" pitchFamily="50" charset="-127"/>
+              </a:rPr>
+              <a:t>11</a:t>
+            </a:r>
+            <a:endParaRPr kumimoji="0" lang="ko-KR" altLang="en-US" sz="1800" b="0" i="0" u="none" strike="noStrike" kern="1200" cap="none" spc="0" normalizeH="0" baseline="0" noProof="0" dirty="0">
+              <a:ln>
+                <a:noFill/>
+              </a:ln>
+              <a:solidFill>
+                <a:prstClr val="white"/>
+              </a:solidFill>
+              <a:effectLst/>
+              <a:uLnTx/>
+              <a:uFillTx/>
+              <a:latin typeface="맑은 고딕" panose="020F0502020204030204"/>
+              <a:ea typeface="맑은 고딕" panose="020B0503020000020004" pitchFamily="50" charset="-127"/>
+              <a:cs typeface="+mn-cs"/>
+            </a:endParaRPr>
+          </a:p>
+        </p:txBody>
+      </p:sp>
+    </p:spTree>
+    <p:extLst>
+      <p:ext uri="{BB962C8B-B14F-4D97-AF65-F5344CB8AC3E}">
+        <p14:creationId xmlns:p14="http://schemas.microsoft.com/office/powerpoint/2010/main" val="3755781637"/>
+      </p:ext>
+    </p:extLst>
+  </p:cSld>
+  <p:clrMapOvr>
+    <a:masterClrMapping/>
+  </p:clrMapOvr>
+</p:sld>
+</file>
+
+<file path=ppt/slides/slide11.xml><?xml version="1.0" encoding="utf-8"?>
+<p:sld xmlns:a="http://schemas.openxmlformats.org/drawingml/2006/main" xmlns:r="http://schemas.openxmlformats.org/officeDocument/2006/relationships" xmlns:p="http://schemas.openxmlformats.org/presentationml/2006/main">
+  <p:cSld>
+    <p:bg>
+      <p:bgPr>
+        <a:solidFill>
+          <a:srgbClr val="2C3930"/>
+        </a:solidFill>
+        <a:effectLst/>
+      </p:bgPr>
+    </p:bg>
+    <p:spTree>
+      <p:nvGrpSpPr>
+        <p:cNvPr id="1" name="">
+          <a:extLst>
+            <a:ext uri="{FF2B5EF4-FFF2-40B4-BE49-F238E27FC236}">
+              <a16:creationId xmlns:a16="http://schemas.microsoft.com/office/drawing/2014/main" id="{1F9EDF5F-EEC7-7330-11DA-82489AF65973}"/>
+            </a:ext>
+          </a:extLst>
+        </p:cNvPr>
+        <p:cNvGrpSpPr/>
+        <p:nvPr/>
+      </p:nvGrpSpPr>
+      <p:grpSpPr>
+        <a:xfrm>
+          <a:off x="0" y="0"/>
+          <a:ext cx="0" cy="0"/>
+          <a:chOff x="0" y="0"/>
+          <a:chExt cx="0" cy="0"/>
+        </a:xfrm>
+      </p:grpSpPr>
+      <p:sp>
+        <p:nvSpPr>
+          <p:cNvPr id="4" name="내용 개체 틀 2">
+            <a:extLst>
+              <a:ext uri="{FF2B5EF4-FFF2-40B4-BE49-F238E27FC236}">
+                <a16:creationId xmlns:a16="http://schemas.microsoft.com/office/drawing/2014/main" id="{FB105F9C-5F0F-C98D-C444-7E79C05C12A2}"/>
+              </a:ext>
+            </a:extLst>
+          </p:cNvPr>
+          <p:cNvSpPr txBox="1">
+            <a:spLocks/>
+          </p:cNvSpPr>
+          <p:nvPr/>
+        </p:nvSpPr>
+        <p:spPr>
+          <a:xfrm>
+            <a:off x="838200" y="2292596"/>
+            <a:ext cx="10515600" cy="656318"/>
+          </a:xfrm>
+          <a:prstGeom prst="rect">
+            <a:avLst/>
+          </a:prstGeom>
+        </p:spPr>
+        <p:txBody>
+          <a:bodyPr vert="horz" lIns="91440" tIns="45720" rIns="91440" bIns="45720" rtlCol="0">
+            <a:noAutofit/>
+          </a:bodyPr>
+          <a:lstStyle>
+            <a:lvl1pPr marL="228600" indent="-228600" algn="l" defTabSz="914400" rtl="0" eaLnBrk="1" latinLnBrk="1" hangingPunct="1">
+              <a:lnSpc>
+                <a:spcPct val="90000"/>
+              </a:lnSpc>
+              <a:spcBef>
+                <a:spcPts val="1000"/>
+              </a:spcBef>
+              <a:buFont typeface="Arial" panose="020B0604020202020204" pitchFamily="34" charset="0"/>
+              <a:buChar char="•"/>
+              <a:defRPr sz="2800" kern="1200">
+                <a:solidFill>
+                  <a:schemeClr val="tx1"/>
+                </a:solidFill>
+                <a:latin typeface="+mn-lt"/>
+                <a:ea typeface="+mn-ea"/>
+                <a:cs typeface="+mn-cs"/>
+              </a:defRPr>
+            </a:lvl1pPr>
+            <a:lvl2pPr marL="685800" indent="-228600" algn="l" defTabSz="914400" rtl="0" eaLnBrk="1" latinLnBrk="1" hangingPunct="1">
+              <a:lnSpc>
+                <a:spcPct val="90000"/>
+              </a:lnSpc>
+              <a:spcBef>
+                <a:spcPts val="500"/>
+              </a:spcBef>
+              <a:buFont typeface="Arial" panose="020B0604020202020204" pitchFamily="34" charset="0"/>
+              <a:buChar char="•"/>
+              <a:defRPr sz="2400" kern="1200">
+                <a:solidFill>
+                  <a:schemeClr val="tx1"/>
+                </a:solidFill>
+                <a:latin typeface="+mn-lt"/>
+                <a:ea typeface="+mn-ea"/>
+                <a:cs typeface="+mn-cs"/>
+              </a:defRPr>
+            </a:lvl2pPr>
+            <a:lvl3pPr marL="1143000" indent="-228600" algn="l" defTabSz="914400" rtl="0" eaLnBrk="1" latinLnBrk="1" hangingPunct="1">
+              <a:lnSpc>
+                <a:spcPct val="90000"/>
+              </a:lnSpc>
+              <a:spcBef>
+                <a:spcPts val="500"/>
+              </a:spcBef>
+              <a:buFont typeface="Arial" panose="020B0604020202020204" pitchFamily="34" charset="0"/>
+              <a:buChar char="•"/>
+              <a:defRPr sz="2000" kern="1200">
+                <a:solidFill>
+                  <a:schemeClr val="tx1"/>
+                </a:solidFill>
+                <a:latin typeface="+mn-lt"/>
+                <a:ea typeface="+mn-ea"/>
+                <a:cs typeface="+mn-cs"/>
+              </a:defRPr>
+            </a:lvl3pPr>
+            <a:lvl4pPr marL="1600200" indent="-228600" algn="l" defTabSz="914400" rtl="0" eaLnBrk="1" latinLnBrk="1" hangingPunct="1">
+              <a:lnSpc>
+                <a:spcPct val="90000"/>
+              </a:lnSpc>
+              <a:spcBef>
+                <a:spcPts val="500"/>
+              </a:spcBef>
+              <a:buFont typeface="Arial" panose="020B0604020202020204" pitchFamily="34" charset="0"/>
+              <a:buChar char="•"/>
+              <a:defRPr sz="1800" kern="1200">
+                <a:solidFill>
+                  <a:schemeClr val="tx1"/>
+                </a:solidFill>
+                <a:latin typeface="+mn-lt"/>
+                <a:ea typeface="+mn-ea"/>
+                <a:cs typeface="+mn-cs"/>
+              </a:defRPr>
+            </a:lvl4pPr>
+            <a:lvl5pPr marL="2057400" indent="-228600" algn="l" defTabSz="914400" rtl="0" eaLnBrk="1" latinLnBrk="1" hangingPunct="1">
+              <a:lnSpc>
+                <a:spcPct val="90000"/>
+              </a:lnSpc>
+              <a:spcBef>
+                <a:spcPts val="500"/>
+              </a:spcBef>
+              <a:buFont typeface="Arial" panose="020B0604020202020204" pitchFamily="34" charset="0"/>
+              <a:buChar char="•"/>
+              <a:defRPr sz="1800" kern="1200">
+                <a:solidFill>
+                  <a:schemeClr val="tx1"/>
+                </a:solidFill>
+                <a:latin typeface="+mn-lt"/>
+                <a:ea typeface="+mn-ea"/>
+                <a:cs typeface="+mn-cs"/>
+              </a:defRPr>
+            </a:lvl5pPr>
+            <a:lvl6pPr marL="2514600" indent="-228600" algn="l" defTabSz="914400" rtl="0" eaLnBrk="1" latinLnBrk="1" hangingPunct="1">
+              <a:lnSpc>
+                <a:spcPct val="90000"/>
+              </a:lnSpc>
+              <a:spcBef>
+                <a:spcPts val="500"/>
+              </a:spcBef>
+              <a:buFont typeface="Arial" panose="020B0604020202020204" pitchFamily="34" charset="0"/>
+              <a:buChar char="•"/>
+              <a:defRPr sz="1800" kern="1200">
+                <a:solidFill>
+                  <a:schemeClr val="tx1"/>
+                </a:solidFill>
+                <a:latin typeface="+mn-lt"/>
+                <a:ea typeface="+mn-ea"/>
+                <a:cs typeface="+mn-cs"/>
+              </a:defRPr>
+            </a:lvl6pPr>
+            <a:lvl7pPr marL="2971800" indent="-228600" algn="l" defTabSz="914400" rtl="0" eaLnBrk="1" latinLnBrk="1" hangingPunct="1">
+              <a:lnSpc>
+                <a:spcPct val="90000"/>
+              </a:lnSpc>
+              <a:spcBef>
+                <a:spcPts val="500"/>
+              </a:spcBef>
+              <a:buFont typeface="Arial" panose="020B0604020202020204" pitchFamily="34" charset="0"/>
+              <a:buChar char="•"/>
+              <a:defRPr sz="1800" kern="1200">
+                <a:solidFill>
+                  <a:schemeClr val="tx1"/>
+                </a:solidFill>
+                <a:latin typeface="+mn-lt"/>
+                <a:ea typeface="+mn-ea"/>
+                <a:cs typeface="+mn-cs"/>
+              </a:defRPr>
+            </a:lvl7pPr>
+            <a:lvl8pPr marL="3429000" indent="-228600" algn="l" defTabSz="914400" rtl="0" eaLnBrk="1" latinLnBrk="1" hangingPunct="1">
+              <a:lnSpc>
+                <a:spcPct val="90000"/>
+              </a:lnSpc>
+              <a:spcBef>
+                <a:spcPts val="500"/>
+              </a:spcBef>
+              <a:buFont typeface="Arial" panose="020B0604020202020204" pitchFamily="34" charset="0"/>
+              <a:buChar char="•"/>
+              <a:defRPr sz="1800" kern="1200">
+                <a:solidFill>
+                  <a:schemeClr val="tx1"/>
+                </a:solidFill>
+                <a:latin typeface="+mn-lt"/>
+                <a:ea typeface="+mn-ea"/>
+                <a:cs typeface="+mn-cs"/>
+              </a:defRPr>
+            </a:lvl8pPr>
+            <a:lvl9pPr marL="3886200" indent="-228600" algn="l" defTabSz="914400" rtl="0" eaLnBrk="1" latinLnBrk="1" hangingPunct="1">
+              <a:lnSpc>
+                <a:spcPct val="90000"/>
+              </a:lnSpc>
+              <a:spcBef>
+                <a:spcPts val="500"/>
+              </a:spcBef>
+              <a:buFont typeface="Arial" panose="020B0604020202020204" pitchFamily="34" charset="0"/>
+              <a:buChar char="•"/>
+              <a:defRPr sz="1800" kern="1200">
+                <a:solidFill>
+                  <a:schemeClr val="tx1"/>
+                </a:solidFill>
+                <a:latin typeface="+mn-lt"/>
+                <a:ea typeface="+mn-ea"/>
+                <a:cs typeface="+mn-cs"/>
+              </a:defRPr>
+            </a:lvl9pPr>
+          </a:lstStyle>
+          <a:p>
+            <a:pPr marL="0" indent="0" algn="ctr">
+              <a:buFont typeface="Arial" panose="020B0604020202020204" pitchFamily="34" charset="0"/>
+              <a:buNone/>
+            </a:pPr>
+            <a:r>
+              <a:rPr lang="en-US" altLang="ko-KR" sz="11500" dirty="0">
+                <a:solidFill>
+                  <a:schemeClr val="bg1"/>
+                </a:solidFill>
+              </a:rPr>
+              <a:t>Q</a:t>
+            </a:r>
+            <a:r>
+              <a:rPr lang="en-US" altLang="ko-KR" sz="8000" dirty="0">
+                <a:solidFill>
+                  <a:schemeClr val="bg1"/>
+                </a:solidFill>
+              </a:rPr>
+              <a:t>&amp;</a:t>
+            </a:r>
+            <a:r>
+              <a:rPr lang="en-US" altLang="ko-KR" sz="11500" dirty="0">
+                <a:solidFill>
+                  <a:schemeClr val="bg1"/>
+                </a:solidFill>
+              </a:rPr>
+              <a:t>A</a:t>
+            </a:r>
+            <a:endParaRPr lang="ko-KR" altLang="en-US" sz="11500" dirty="0">
+              <a:solidFill>
+                <a:schemeClr val="bg1"/>
+              </a:solidFill>
+            </a:endParaRPr>
+          </a:p>
+        </p:txBody>
+      </p:sp>
+      <p:sp>
+        <p:nvSpPr>
+          <p:cNvPr id="8" name="내용 개체 틀 2">
+            <a:extLst>
+              <a:ext uri="{FF2B5EF4-FFF2-40B4-BE49-F238E27FC236}">
+                <a16:creationId xmlns:a16="http://schemas.microsoft.com/office/drawing/2014/main" id="{254065CC-BAF2-2646-6DC9-CCA2AC58DAD8}"/>
+              </a:ext>
+            </a:extLst>
+          </p:cNvPr>
+          <p:cNvSpPr txBox="1">
+            <a:spLocks/>
+          </p:cNvSpPr>
+          <p:nvPr/>
+        </p:nvSpPr>
+        <p:spPr>
+          <a:xfrm>
+            <a:off x="838200" y="2051483"/>
+            <a:ext cx="10515600" cy="656318"/>
+          </a:xfrm>
+          <a:prstGeom prst="rect">
+            <a:avLst/>
+          </a:prstGeom>
+        </p:spPr>
+        <p:txBody>
+          <a:bodyPr vert="horz" lIns="91440" tIns="45720" rIns="91440" bIns="45720" rtlCol="0">
+            <a:noAutofit/>
+          </a:bodyPr>
+          <a:lstStyle>
+            <a:lvl1pPr marL="228600" indent="-228600" algn="l" defTabSz="914400" rtl="0" eaLnBrk="1" latinLnBrk="1" hangingPunct="1">
+              <a:lnSpc>
+                <a:spcPct val="90000"/>
+              </a:lnSpc>
+              <a:spcBef>
+                <a:spcPts val="1000"/>
+              </a:spcBef>
+              <a:buFont typeface="Arial" panose="020B0604020202020204" pitchFamily="34" charset="0"/>
+              <a:buChar char="•"/>
+              <a:defRPr sz="2800" kern="1200">
+                <a:solidFill>
+                  <a:schemeClr val="tx1"/>
+                </a:solidFill>
+                <a:latin typeface="+mn-lt"/>
+                <a:ea typeface="+mn-ea"/>
+                <a:cs typeface="+mn-cs"/>
+              </a:defRPr>
+            </a:lvl1pPr>
+            <a:lvl2pPr marL="685800" indent="-228600" algn="l" defTabSz="914400" rtl="0" eaLnBrk="1" latinLnBrk="1" hangingPunct="1">
+              <a:lnSpc>
+                <a:spcPct val="90000"/>
+              </a:lnSpc>
+              <a:spcBef>
+                <a:spcPts val="500"/>
+              </a:spcBef>
+              <a:buFont typeface="Arial" panose="020B0604020202020204" pitchFamily="34" charset="0"/>
+              <a:buChar char="•"/>
+              <a:defRPr sz="2400" kern="1200">
+                <a:solidFill>
+                  <a:schemeClr val="tx1"/>
+                </a:solidFill>
+                <a:latin typeface="+mn-lt"/>
+                <a:ea typeface="+mn-ea"/>
+                <a:cs typeface="+mn-cs"/>
+              </a:defRPr>
+            </a:lvl2pPr>
+            <a:lvl3pPr marL="1143000" indent="-228600" algn="l" defTabSz="914400" rtl="0" eaLnBrk="1" latinLnBrk="1" hangingPunct="1">
+              <a:lnSpc>
+                <a:spcPct val="90000"/>
+              </a:lnSpc>
+              <a:spcBef>
+                <a:spcPts val="500"/>
+              </a:spcBef>
+              <a:buFont typeface="Arial" panose="020B0604020202020204" pitchFamily="34" charset="0"/>
+              <a:buChar char="•"/>
+              <a:defRPr sz="2000" kern="1200">
+                <a:solidFill>
+                  <a:schemeClr val="tx1"/>
+                </a:solidFill>
+                <a:latin typeface="+mn-lt"/>
+                <a:ea typeface="+mn-ea"/>
+                <a:cs typeface="+mn-cs"/>
+              </a:defRPr>
+            </a:lvl3pPr>
+            <a:lvl4pPr marL="1600200" indent="-228600" algn="l" defTabSz="914400" rtl="0" eaLnBrk="1" latinLnBrk="1" hangingPunct="1">
+              <a:lnSpc>
+                <a:spcPct val="90000"/>
+              </a:lnSpc>
+              <a:spcBef>
+                <a:spcPts val="500"/>
+              </a:spcBef>
+              <a:buFont typeface="Arial" panose="020B0604020202020204" pitchFamily="34" charset="0"/>
+              <a:buChar char="•"/>
+              <a:defRPr sz="1800" kern="1200">
+                <a:solidFill>
+                  <a:schemeClr val="tx1"/>
+                </a:solidFill>
+                <a:latin typeface="+mn-lt"/>
+                <a:ea typeface="+mn-ea"/>
+                <a:cs typeface="+mn-cs"/>
+              </a:defRPr>
+            </a:lvl4pPr>
+            <a:lvl5pPr marL="2057400" indent="-228600" algn="l" defTabSz="914400" rtl="0" eaLnBrk="1" latinLnBrk="1" hangingPunct="1">
+              <a:lnSpc>
+                <a:spcPct val="90000"/>
+              </a:lnSpc>
+              <a:spcBef>
+                <a:spcPts val="500"/>
+              </a:spcBef>
+              <a:buFont typeface="Arial" panose="020B0604020202020204" pitchFamily="34" charset="0"/>
+              <a:buChar char="•"/>
+              <a:defRPr sz="1800" kern="1200">
+                <a:solidFill>
+                  <a:schemeClr val="tx1"/>
+                </a:solidFill>
+                <a:latin typeface="+mn-lt"/>
+                <a:ea typeface="+mn-ea"/>
+                <a:cs typeface="+mn-cs"/>
+              </a:defRPr>
+            </a:lvl5pPr>
+            <a:lvl6pPr marL="2514600" indent="-228600" algn="l" defTabSz="914400" rtl="0" eaLnBrk="1" latinLnBrk="1" hangingPunct="1">
+              <a:lnSpc>
+                <a:spcPct val="90000"/>
+              </a:lnSpc>
+              <a:spcBef>
+                <a:spcPts val="500"/>
+              </a:spcBef>
+              <a:buFont typeface="Arial" panose="020B0604020202020204" pitchFamily="34" charset="0"/>
+              <a:buChar char="•"/>
+              <a:defRPr sz="1800" kern="1200">
+                <a:solidFill>
+                  <a:schemeClr val="tx1"/>
+                </a:solidFill>
+                <a:latin typeface="+mn-lt"/>
+                <a:ea typeface="+mn-ea"/>
+                <a:cs typeface="+mn-cs"/>
+              </a:defRPr>
+            </a:lvl6pPr>
+            <a:lvl7pPr marL="2971800" indent="-228600" algn="l" defTabSz="914400" rtl="0" eaLnBrk="1" latinLnBrk="1" hangingPunct="1">
+              <a:lnSpc>
+                <a:spcPct val="90000"/>
+              </a:lnSpc>
+              <a:spcBef>
+                <a:spcPts val="500"/>
+              </a:spcBef>
+              <a:buFont typeface="Arial" panose="020B0604020202020204" pitchFamily="34" charset="0"/>
+              <a:buChar char="•"/>
+              <a:defRPr sz="1800" kern="1200">
+                <a:solidFill>
+                  <a:schemeClr val="tx1"/>
+                </a:solidFill>
+                <a:latin typeface="+mn-lt"/>
+                <a:ea typeface="+mn-ea"/>
+                <a:cs typeface="+mn-cs"/>
+              </a:defRPr>
+            </a:lvl7pPr>
+            <a:lvl8pPr marL="3429000" indent="-228600" algn="l" defTabSz="914400" rtl="0" eaLnBrk="1" latinLnBrk="1" hangingPunct="1">
+              <a:lnSpc>
+                <a:spcPct val="90000"/>
+              </a:lnSpc>
+              <a:spcBef>
+                <a:spcPts val="500"/>
+              </a:spcBef>
+              <a:buFont typeface="Arial" panose="020B0604020202020204" pitchFamily="34" charset="0"/>
+              <a:buChar char="•"/>
+              <a:defRPr sz="1800" kern="1200">
+                <a:solidFill>
+                  <a:schemeClr val="tx1"/>
+                </a:solidFill>
+                <a:latin typeface="+mn-lt"/>
+                <a:ea typeface="+mn-ea"/>
+                <a:cs typeface="+mn-cs"/>
+              </a:defRPr>
+            </a:lvl8pPr>
+            <a:lvl9pPr marL="3886200" indent="-228600" algn="l" defTabSz="914400" rtl="0" eaLnBrk="1" latinLnBrk="1" hangingPunct="1">
+              <a:lnSpc>
+                <a:spcPct val="90000"/>
+              </a:lnSpc>
+              <a:spcBef>
+                <a:spcPts val="500"/>
+              </a:spcBef>
+              <a:buFont typeface="Arial" panose="020B0604020202020204" pitchFamily="34" charset="0"/>
+              <a:buChar char="•"/>
+              <a:defRPr sz="1800" kern="1200">
+                <a:solidFill>
+                  <a:schemeClr val="tx1"/>
+                </a:solidFill>
+                <a:latin typeface="+mn-lt"/>
+                <a:ea typeface="+mn-ea"/>
+                <a:cs typeface="+mn-cs"/>
+              </a:defRPr>
+            </a:lvl9pPr>
+          </a:lstStyle>
+          <a:p>
+            <a:pPr marL="0" indent="0" algn="ctr">
+              <a:buFont typeface="Arial" panose="020B0604020202020204" pitchFamily="34" charset="0"/>
+              <a:buNone/>
+            </a:pPr>
+            <a:endParaRPr lang="ko-KR" altLang="en-US" sz="4800" dirty="0">
+              <a:solidFill>
+                <a:srgbClr val="2C3930"/>
+              </a:solidFill>
+            </a:endParaRPr>
+          </a:p>
+        </p:txBody>
+      </p:sp>
+      <p:pic>
+        <p:nvPicPr>
+          <p:cNvPr id="9" name="그림 8" descr="일러스트레이션, 선그림, 디자인이(가) 표시된 사진&#10;&#10;AI 생성 콘텐츠는 정확하지 않을 수 있습니다.">
+            <a:extLst>
+              <a:ext uri="{FF2B5EF4-FFF2-40B4-BE49-F238E27FC236}">
+                <a16:creationId xmlns:a16="http://schemas.microsoft.com/office/drawing/2014/main" id="{131E723E-4DFB-CCF9-FB66-49713820EFE9}"/>
+              </a:ext>
+            </a:extLst>
+          </p:cNvPr>
+          <p:cNvPicPr>
+            <a:picLocks noChangeAspect="1"/>
+          </p:cNvPicPr>
+          <p:nvPr/>
+        </p:nvPicPr>
+        <p:blipFill>
+          <a:blip r:embed="rId2">
+            <a:extLst>
+              <a:ext uri="{28A0092B-C50C-407E-A947-70E740481C1C}">
+                <a14:useLocalDpi xmlns:a14="http://schemas.microsoft.com/office/drawing/2010/main" val="0"/>
+              </a:ext>
+            </a:extLst>
+          </a:blip>
+          <a:stretch>
+            <a:fillRect/>
+          </a:stretch>
+        </p:blipFill>
+        <p:spPr>
+          <a:xfrm>
+            <a:off x="312511" y="221163"/>
+            <a:ext cx="807629" cy="807629"/>
+          </a:xfrm>
+          <a:prstGeom prst="rect">
+            <a:avLst/>
+          </a:prstGeom>
+        </p:spPr>
+      </p:pic>
+      <p:sp>
+        <p:nvSpPr>
+          <p:cNvPr id="12" name="TextBox 11">
+            <a:extLst>
+              <a:ext uri="{FF2B5EF4-FFF2-40B4-BE49-F238E27FC236}">
+                <a16:creationId xmlns:a16="http://schemas.microsoft.com/office/drawing/2014/main" id="{4A8FCE66-B67E-3DCC-EDC0-BF93D04DBEEA}"/>
+              </a:ext>
+            </a:extLst>
+          </p:cNvPr>
+          <p:cNvSpPr txBox="1"/>
+          <p:nvPr/>
+        </p:nvSpPr>
+        <p:spPr>
+          <a:xfrm>
+            <a:off x="-129540" y="4450080"/>
+            <a:ext cx="12420600" cy="369332"/>
+          </a:xfrm>
+          <a:prstGeom prst="rect">
+            <a:avLst/>
+          </a:prstGeom>
+          <a:solidFill>
+            <a:schemeClr val="bg1"/>
+          </a:solidFill>
+        </p:spPr>
+        <p:txBody>
+          <a:bodyPr wrap="square" rtlCol="0">
+            <a:spAutoFit/>
+          </a:bodyPr>
+          <a:lstStyle/>
+          <a:p>
+            <a:endParaRPr lang="ko-KR" altLang="en-US" dirty="0"/>
+          </a:p>
+        </p:txBody>
+      </p:sp>
+    </p:spTree>
+    <p:extLst>
+      <p:ext uri="{BB962C8B-B14F-4D97-AF65-F5344CB8AC3E}">
+        <p14:creationId xmlns:p14="http://schemas.microsoft.com/office/powerpoint/2010/main" val="165548591"/>
+      </p:ext>
+    </p:extLst>
+  </p:cSld>
+  <p:clrMapOvr>
+    <a:masterClrMapping/>
+  </p:clrMapOvr>
+</p:sld>
+</file>
+
+<file path=ppt/slides/slide12.xml><?xml version="1.0" encoding="utf-8"?>
+<p:sld xmlns:a="http://schemas.openxmlformats.org/drawingml/2006/main" xmlns:r="http://schemas.openxmlformats.org/officeDocument/2006/relationships" xmlns:p="http://schemas.openxmlformats.org/presentationml/2006/main">
+  <p:cSld>
+    <p:bg>
+      <p:bgPr>
+        <a:solidFill>
+          <a:srgbClr val="2C3930"/>
+        </a:solidFill>
+        <a:effectLst/>
+      </p:bgPr>
+    </p:bg>
+    <p:spTree>
+      <p:nvGrpSpPr>
+        <p:cNvPr id="1" name="">
+          <a:extLst>
+            <a:ext uri="{FF2B5EF4-FFF2-40B4-BE49-F238E27FC236}">
               <a16:creationId xmlns:a16="http://schemas.microsoft.com/office/drawing/2014/main" id="{1F9EDF5F-EEC7-7330-11DA-82489AF65973}"/>
             </a:ext>
           </a:extLst>
@@ -5217,7 +6031,7 @@
     </p:spTree>
     <p:extLst>
       <p:ext uri="{BB962C8B-B14F-4D97-AF65-F5344CB8AC3E}">
-        <p14:creationId xmlns:p14="http://schemas.microsoft.com/office/powerpoint/2010/main" val="165548591"/>
+        <p14:creationId xmlns:p14="http://schemas.microsoft.com/office/powerpoint/2010/main" val="837107142"/>
       </p:ext>
     </p:extLst>
   </p:cSld>
@@ -5587,7 +6401,7 @@
                 </a:solidFill>
                 <a:latin typeface="+mj-lt"/>
               </a:rPr>
-              <a:t>문제 정의 </a:t>
+              <a:t>개발동기 </a:t>
             </a:r>
             <a:r>
               <a:rPr lang="en-US" altLang="ko-KR" sz="1500" b="1" dirty="0">
@@ -5596,7 +6410,7 @@
                 </a:solidFill>
                 <a:latin typeface="+mj-lt"/>
               </a:rPr>
-              <a:t>+ </a:t>
+              <a:t>/ </a:t>
             </a:r>
             <a:r>
               <a:rPr lang="ko-KR" altLang="en-US" sz="1500" b="1" dirty="0">
@@ -5605,7 +6419,7 @@
                 </a:solidFill>
                 <a:latin typeface="+mj-lt"/>
               </a:rPr>
-              <a:t>라이브러리 불러오기 </a:t>
+              <a:t>주제선정 </a:t>
             </a:r>
             <a:r>
               <a:rPr lang="en-US" altLang="ko-KR" sz="1500" b="1" dirty="0">
@@ -5614,25 +6428,16 @@
                 </a:solidFill>
                 <a:latin typeface="+mj-lt"/>
               </a:rPr>
-              <a:t>------------------------------------------------------------------------------- </a:t>
-            </a:r>
-            <a:r>
-              <a:rPr lang="ko-KR" altLang="en-US" sz="1500" b="1" dirty="0" err="1">
+              <a:t>---------------------------------------------------------------------------------------------- </a:t>
+            </a:r>
+            <a:r>
+              <a:rPr lang="ko-KR" altLang="en-US" sz="1500" b="1" dirty="0">
                 <a:solidFill>
                   <a:schemeClr val="bg1"/>
                 </a:solidFill>
                 <a:latin typeface="+mj-lt"/>
               </a:rPr>
-              <a:t>손보금</a:t>
-            </a:r>
-            <a:r>
-              <a:rPr lang="ko-KR" altLang="en-US" sz="1500" b="1" dirty="0">
-                <a:solidFill>
-                  <a:schemeClr val="bg1"/>
-                </a:solidFill>
-                <a:latin typeface="+mj-lt"/>
-              </a:rPr>
-              <a:t> </a:t>
+              <a:t>박준형 </a:t>
             </a:r>
             <a:r>
               <a:rPr lang="en-US" altLang="ko-KR" sz="1500" b="1" dirty="0">
@@ -5653,31 +6458,31 @@
               <a:buAutoNum type="arabicPeriod"/>
             </a:pPr>
             <a:r>
+              <a:rPr lang="ko-KR" altLang="en-US" sz="1500" b="1" dirty="0">
+                <a:solidFill>
+                  <a:schemeClr val="bg1"/>
+                </a:solidFill>
+                <a:latin typeface="+mj-lt"/>
+              </a:rPr>
+              <a:t>개발 일정</a:t>
+            </a:r>
+            <a:r>
               <a:rPr lang="en-US" altLang="ko-KR" sz="1500" b="1" dirty="0">
                 <a:solidFill>
                   <a:schemeClr val="bg1"/>
                 </a:solidFill>
                 <a:latin typeface="+mj-lt"/>
               </a:rPr>
-              <a:t>EDA -------------------------------------------------------------------------------------------------------------- </a:t>
-            </a:r>
-            <a:r>
-              <a:rPr lang="ko-KR" altLang="en-US" sz="1500" b="1" dirty="0" err="1">
+              <a:t> --------------------------------------------------------------------------------------------------------- </a:t>
+            </a:r>
+            <a:r>
+              <a:rPr lang="ko-KR" altLang="en-US" sz="1500" b="1" dirty="0">
                 <a:solidFill>
                   <a:schemeClr val="bg1"/>
                 </a:solidFill>
                 <a:latin typeface="+mj-lt"/>
               </a:rPr>
-              <a:t>손보금</a:t>
-            </a:r>
-            <a:r>
-              <a:rPr lang="ko-KR" altLang="en-US" sz="1500" b="1" dirty="0">
-                <a:solidFill>
-                  <a:schemeClr val="bg1"/>
-                </a:solidFill>
-                <a:latin typeface="+mj-lt"/>
-              </a:rPr>
-              <a:t> </a:t>
+              <a:t>박준형 </a:t>
             </a:r>
             <a:r>
               <a:rPr lang="en-US" altLang="ko-KR" sz="1500" b="1" dirty="0">
@@ -5704,16 +6509,16 @@
                 </a:solidFill>
                 <a:latin typeface="+mj-lt"/>
               </a:rPr>
-              <a:t>데이터 </a:t>
-            </a:r>
-            <a:r>
-              <a:rPr lang="ko-KR" altLang="en-US" sz="1500" b="1" dirty="0" err="1">
+              <a:t>팀원 소개 </a:t>
+            </a:r>
+            <a:r>
+              <a:rPr lang="en-US" altLang="ko-KR" sz="1500" b="1" dirty="0">
                 <a:solidFill>
                   <a:schemeClr val="bg1"/>
                 </a:solidFill>
                 <a:latin typeface="+mj-lt"/>
               </a:rPr>
-              <a:t>전처리</a:t>
+              <a:t>--------------------------------------------------------------------------------------------------------- </a:t>
             </a:r>
             <a:r>
               <a:rPr lang="ko-KR" altLang="en-US" sz="1500" b="1" dirty="0">
@@ -5722,7 +6527,7 @@
                 </a:solidFill>
                 <a:latin typeface="+mj-lt"/>
               </a:rPr>
-              <a:t> </a:t>
+              <a:t>박준형 </a:t>
             </a:r>
             <a:r>
               <a:rPr lang="en-US" altLang="ko-KR" sz="1500" b="1" dirty="0">
@@ -5731,34 +6536,7 @@
                 </a:solidFill>
                 <a:latin typeface="+mj-lt"/>
               </a:rPr>
-              <a:t>+ OLS -------------------------------------------------------------------------------------------- </a:t>
-            </a:r>
-            <a:r>
-              <a:rPr lang="ko-KR" altLang="en-US" sz="1500" b="1" dirty="0" err="1">
-                <a:solidFill>
-                  <a:schemeClr val="bg1"/>
-                </a:solidFill>
-                <a:latin typeface="+mj-lt"/>
-              </a:rPr>
-              <a:t>손보금</a:t>
-            </a:r>
-            <a:r>
-              <a:rPr lang="ko-KR" altLang="en-US" sz="1500" b="1" dirty="0">
-                <a:solidFill>
-                  <a:schemeClr val="bg1"/>
-                </a:solidFill>
-                <a:latin typeface="+mj-lt"/>
-              </a:rPr>
-              <a:t> </a:t>
-            </a:r>
-            <a:r>
-              <a:rPr lang="en-US" altLang="ko-KR" sz="1500" b="1" dirty="0">
-                <a:solidFill>
-                  <a:schemeClr val="bg1"/>
-                </a:solidFill>
-                <a:latin typeface="+mj-lt"/>
-              </a:rPr>
-              <a:t>4p – 7p</a:t>
+              <a:t>4p</a:t>
             </a:r>
           </a:p>
           <a:p>
@@ -5770,13 +6548,22 @@
               <a:buAutoNum type="arabicPeriod"/>
             </a:pPr>
             <a:r>
+              <a:rPr lang="en-US" altLang="ko-KR" sz="1500" b="1" dirty="0">
+                <a:solidFill>
+                  <a:schemeClr val="bg1"/>
+                </a:solidFill>
+                <a:latin typeface="+mj-lt"/>
+              </a:rPr>
+              <a:t>HISTORY</a:t>
+            </a:r>
+            <a:r>
               <a:rPr lang="ko-KR" altLang="en-US" sz="1500" b="1" dirty="0">
                 <a:solidFill>
                   <a:schemeClr val="bg1"/>
                 </a:solidFill>
                 <a:latin typeface="+mj-lt"/>
               </a:rPr>
-              <a:t>선형 회귀 모델 학습 </a:t>
+              <a:t> </a:t>
             </a:r>
             <a:r>
               <a:rPr lang="en-US" altLang="ko-KR" sz="1500" b="1" dirty="0">
@@ -5785,7 +6572,7 @@
                 </a:solidFill>
                 <a:latin typeface="+mj-lt"/>
               </a:rPr>
-              <a:t>+ </a:t>
+              <a:t>--------------------------------------------------------------------------------------------------------- </a:t>
             </a:r>
             <a:r>
               <a:rPr lang="ko-KR" altLang="en-US" sz="1500" b="1" dirty="0">
@@ -5794,7 +6581,7 @@
                 </a:solidFill>
                 <a:latin typeface="+mj-lt"/>
               </a:rPr>
-              <a:t>교차검증 </a:t>
+              <a:t>심예진 </a:t>
             </a:r>
             <a:r>
               <a:rPr lang="en-US" altLang="ko-KR" sz="1500" b="1" dirty="0">
@@ -5803,25 +6590,7 @@
                 </a:solidFill>
                 <a:latin typeface="+mj-lt"/>
               </a:rPr>
-              <a:t>-------------------------------------------------------------------------------- </a:t>
-            </a:r>
-            <a:r>
-              <a:rPr lang="ko-KR" altLang="en-US" sz="1500" b="1" dirty="0">
-                <a:solidFill>
-                  <a:schemeClr val="bg1"/>
-                </a:solidFill>
-                <a:latin typeface="+mj-lt"/>
-              </a:rPr>
-              <a:t>박준형 </a:t>
-            </a:r>
-            <a:r>
-              <a:rPr lang="en-US" altLang="ko-KR" sz="1500" b="1" dirty="0">
-                <a:solidFill>
-                  <a:schemeClr val="bg1"/>
-                </a:solidFill>
-                <a:latin typeface="+mj-lt"/>
-              </a:rPr>
-              <a:t>8p</a:t>
+              <a:t>5p-6p</a:t>
             </a:r>
           </a:p>
           <a:p>
@@ -5839,7 +6608,7 @@
                 </a:solidFill>
                 <a:latin typeface="+mj-lt"/>
               </a:rPr>
-              <a:t>학습 및 평가 지표 확인</a:t>
+              <a:t>스타일가이드 </a:t>
             </a:r>
             <a:r>
               <a:rPr lang="en-US" altLang="ko-KR" sz="1500" b="1" dirty="0">
@@ -5848,7 +6617,7 @@
                 </a:solidFill>
                 <a:latin typeface="+mj-lt"/>
               </a:rPr>
-              <a:t>(MSE, MAE, RMSE, R2) / </a:t>
+              <a:t>----------------------------------------------------------------------------------------------------- </a:t>
             </a:r>
             <a:r>
               <a:rPr lang="ko-KR" altLang="en-US" sz="1500" b="1" dirty="0">
@@ -5857,7 +6626,7 @@
                 </a:solidFill>
                 <a:latin typeface="+mj-lt"/>
               </a:rPr>
-              <a:t>모델학습</a:t>
+              <a:t>심예진 </a:t>
             </a:r>
             <a:r>
               <a:rPr lang="en-US" altLang="ko-KR" sz="1500" b="1" dirty="0">
@@ -5866,61 +6635,7 @@
                 </a:solidFill>
                 <a:latin typeface="+mj-lt"/>
               </a:rPr>
-              <a:t>/ </a:t>
-            </a:r>
-            <a:r>
-              <a:rPr lang="ko-KR" altLang="en-US" sz="1500" b="1" dirty="0">
-                <a:solidFill>
-                  <a:schemeClr val="bg1"/>
-                </a:solidFill>
-                <a:latin typeface="+mj-lt"/>
-              </a:rPr>
-              <a:t>평가지표</a:t>
-            </a:r>
-            <a:r>
-              <a:rPr lang="en-US" altLang="ko-KR" sz="1500" b="1" dirty="0">
-                <a:solidFill>
-                  <a:schemeClr val="bg1"/>
-                </a:solidFill>
-                <a:latin typeface="+mj-lt"/>
-              </a:rPr>
-              <a:t>/ </a:t>
-            </a:r>
-            <a:r>
-              <a:rPr lang="ko-KR" altLang="en-US" sz="1500" b="1" dirty="0">
-                <a:solidFill>
-                  <a:schemeClr val="bg1"/>
-                </a:solidFill>
-                <a:latin typeface="+mj-lt"/>
-              </a:rPr>
-              <a:t>지표해석</a:t>
-            </a:r>
-            <a:r>
-              <a:rPr lang="en-US" altLang="ko-KR" sz="1500" b="1" dirty="0">
-                <a:solidFill>
-                  <a:schemeClr val="bg1"/>
-                </a:solidFill>
-                <a:latin typeface="+mj-lt"/>
-              </a:rPr>
-              <a:t> ----------------------------- </a:t>
-            </a:r>
-            <a:r>
-              <a:rPr lang="ko-KR" altLang="en-US" sz="1500" b="1" dirty="0">
-                <a:solidFill>
-                  <a:schemeClr val="bg1"/>
-                </a:solidFill>
-                <a:latin typeface="+mj-lt"/>
-              </a:rPr>
-              <a:t>박준형 </a:t>
-            </a:r>
-            <a:r>
-              <a:rPr lang="en-US" altLang="ko-KR" sz="1500" b="1" dirty="0">
-                <a:solidFill>
-                  <a:schemeClr val="bg1"/>
-                </a:solidFill>
-                <a:latin typeface="+mj-lt"/>
-              </a:rPr>
-              <a:t>9p–12p</a:t>
+              <a:t>7p</a:t>
             </a:r>
           </a:p>
           <a:p>
@@ -5932,13 +6647,22 @@
               <a:buAutoNum type="arabicPeriod"/>
             </a:pPr>
             <a:r>
+              <a:rPr lang="ko-KR" altLang="en-US" sz="1500" b="1" dirty="0" err="1">
+                <a:solidFill>
+                  <a:schemeClr val="bg1"/>
+                </a:solidFill>
+                <a:latin typeface="+mj-lt"/>
+              </a:rPr>
+              <a:t>기술스택</a:t>
+            </a:r>
+            <a:r>
               <a:rPr lang="ko-KR" altLang="en-US" sz="1500" b="1" dirty="0">
                 <a:solidFill>
                   <a:schemeClr val="bg1"/>
                 </a:solidFill>
                 <a:latin typeface="+mj-lt"/>
               </a:rPr>
-              <a:t>모델 파일 </a:t>
+              <a:t> </a:t>
             </a:r>
             <a:r>
               <a:rPr lang="en-US" altLang="ko-KR" sz="1500" b="1" dirty="0">
@@ -5947,7 +6671,7 @@
                 </a:solidFill>
                 <a:latin typeface="+mj-lt"/>
               </a:rPr>
-              <a:t>EXPORT ---------------------------------------------------------------------------------------------- </a:t>
+              <a:t>/ </a:t>
             </a:r>
             <a:r>
               <a:rPr lang="ko-KR" altLang="en-US" sz="1500" b="1" dirty="0">
@@ -5956,6 +6680,24 @@
                 </a:solidFill>
                 <a:latin typeface="+mj-lt"/>
               </a:rPr>
+              <a:t>협업도구 </a:t>
+            </a:r>
+            <a:r>
+              <a:rPr lang="en-US" altLang="ko-KR" sz="1500" b="1" dirty="0">
+                <a:solidFill>
+                  <a:schemeClr val="bg1"/>
+                </a:solidFill>
+                <a:latin typeface="+mj-lt"/>
+              </a:rPr>
+              <a:t>---------------------------------------------------------------------------------------------- </a:t>
+            </a:r>
+            <a:r>
+              <a:rPr lang="ko-KR" altLang="en-US" sz="1500" b="1" dirty="0">
+                <a:solidFill>
+                  <a:schemeClr val="bg1"/>
+                </a:solidFill>
+                <a:latin typeface="+mj-lt"/>
+              </a:rPr>
               <a:t>심예진 </a:t>
             </a:r>
             <a:r>
@@ -5965,7 +6707,7 @@
                 </a:solidFill>
                 <a:latin typeface="+mj-lt"/>
               </a:rPr>
-              <a:t>13p</a:t>
+              <a:t>8p</a:t>
             </a:r>
           </a:p>
           <a:p>
@@ -5983,7 +6725,7 @@
                 </a:solidFill>
                 <a:latin typeface="+mj-lt"/>
               </a:rPr>
-              <a:t>STREAMLIT UI CODE ------------------------------------------------------------------------------------------- </a:t>
+              <a:t>ERD --------------------------------------------------------------------------------------------------------------- </a:t>
             </a:r>
             <a:r>
               <a:rPr lang="ko-KR" altLang="en-US" sz="1500" b="1" dirty="0">
@@ -6001,7 +6743,7 @@
                 </a:solidFill>
                 <a:latin typeface="+mj-lt"/>
               </a:rPr>
-              <a:t>14p</a:t>
+              <a:t>9p</a:t>
             </a:r>
           </a:p>
           <a:p>
@@ -6019,7 +6761,7 @@
                 </a:solidFill>
                 <a:latin typeface="+mj-lt"/>
               </a:rPr>
-              <a:t>모델 파일 </a:t>
+              <a:t>페이지 상세 </a:t>
             </a:r>
             <a:r>
               <a:rPr lang="en-US" altLang="ko-KR" sz="1500" b="1" dirty="0">
@@ -6028,7 +6770,16 @@
                 </a:solidFill>
                 <a:latin typeface="+mj-lt"/>
               </a:rPr>
-              <a:t>IMPORT ---------------------------------------------------------------------------------------------- </a:t>
+              <a:t>------------------------------------------------------------------------------------------------------- </a:t>
+            </a:r>
+            <a:r>
+              <a:rPr lang="ko-KR" altLang="en-US" sz="1500" b="1" dirty="0" err="1">
+                <a:solidFill>
+                  <a:schemeClr val="bg1"/>
+                </a:solidFill>
+                <a:latin typeface="+mj-lt"/>
+              </a:rPr>
+              <a:t>손보금</a:t>
             </a:r>
             <a:r>
               <a:rPr lang="ko-KR" altLang="en-US" sz="1500" b="1" dirty="0">
@@ -6037,7 +6788,7 @@
                 </a:solidFill>
                 <a:latin typeface="+mj-lt"/>
               </a:rPr>
-              <a:t>심예진 </a:t>
+              <a:t> </a:t>
             </a:r>
             <a:r>
               <a:rPr lang="en-US" altLang="ko-KR" sz="1500" b="1" dirty="0">
@@ -6046,7 +6797,7 @@
                 </a:solidFill>
                 <a:latin typeface="+mj-lt"/>
               </a:rPr>
-              <a:t>15p</a:t>
+              <a:t>10p</a:t>
             </a:r>
           </a:p>
           <a:p>
@@ -6064,7 +6815,7 @@
                 </a:solidFill>
                 <a:latin typeface="+mj-lt"/>
               </a:rPr>
-              <a:t>서비스 동작 </a:t>
+              <a:t>프로젝트 개발 시 겪었던 점 </a:t>
             </a:r>
             <a:r>
               <a:rPr lang="en-US" altLang="ko-KR" sz="1500" b="1" dirty="0">
@@ -6073,7 +6824,16 @@
                 </a:solidFill>
                 <a:latin typeface="+mj-lt"/>
               </a:rPr>
-              <a:t>------------------------------------------------------------------------------------------------------ </a:t>
+              <a:t>-------------------------------------------------------------------------------------- </a:t>
+            </a:r>
+            <a:r>
+              <a:rPr lang="ko-KR" altLang="en-US" sz="1500" b="1" dirty="0" err="1">
+                <a:solidFill>
+                  <a:schemeClr val="bg1"/>
+                </a:solidFill>
+                <a:latin typeface="+mj-lt"/>
+              </a:rPr>
+              <a:t>손보금</a:t>
             </a:r>
             <a:r>
               <a:rPr lang="ko-KR" altLang="en-US" sz="1500" b="1" dirty="0">
@@ -6082,7 +6842,7 @@
                 </a:solidFill>
                 <a:latin typeface="+mj-lt"/>
               </a:rPr>
-              <a:t>심예진 </a:t>
+              <a:t> </a:t>
             </a:r>
             <a:r>
               <a:rPr lang="en-US" altLang="ko-KR" sz="1500" b="1" dirty="0">
@@ -6091,7 +6851,7 @@
                 </a:solidFill>
                 <a:latin typeface="+mj-lt"/>
               </a:rPr>
-              <a:t>16p</a:t>
+              <a:t>11p</a:t>
             </a:r>
           </a:p>
           <a:p>
@@ -6103,40 +6863,13 @@
               <a:buAutoNum type="arabicPeriod"/>
             </a:pPr>
             <a:r>
-              <a:rPr lang="ko-KR" altLang="en-US" sz="1500" b="1" dirty="0">
+              <a:rPr lang="en-US" altLang="ko-KR" sz="1500" b="1" dirty="0">
                 <a:solidFill>
                   <a:schemeClr val="bg1"/>
                 </a:solidFill>
                 <a:latin typeface="+mj-lt"/>
               </a:rPr>
-              <a:t>예측 및 분류 확인 </a:t>
-            </a:r>
-            <a:r>
-              <a:rPr lang="en-US" altLang="ko-KR" sz="1500" b="1" dirty="0">
-                <a:solidFill>
-                  <a:schemeClr val="bg1"/>
-                </a:solidFill>
-                <a:latin typeface="+mj-lt"/>
-              </a:rPr>
-              <a:t>----------------------------------------------------------------------------------------------- </a:t>
-            </a:r>
-            <a:r>
-              <a:rPr lang="ko-KR" altLang="en-US" sz="1500" b="1" dirty="0">
-                <a:solidFill>
-                  <a:schemeClr val="bg1"/>
-                </a:solidFill>
-                <a:latin typeface="+mj-lt"/>
-              </a:rPr>
-              <a:t>심예진 </a:t>
-            </a:r>
-            <a:r>
-              <a:rPr lang="en-US" altLang="ko-KR" sz="1500" b="1" dirty="0">
-                <a:solidFill>
-                  <a:schemeClr val="bg1"/>
-                </a:solidFill>
-                <a:latin typeface="+mj-lt"/>
-              </a:rPr>
-              <a:t>17p</a:t>
+              <a:t>Q&amp;A -------------------------------------------------------------------------------------------------------------- 12p</a:t>
             </a:r>
           </a:p>
         </p:txBody>
@@ -6450,21 +7183,14 @@
               <a:defRPr/>
             </a:pPr>
             <a:r>
-              <a:rPr kumimoji="0" lang="en-US" altLang="ko-KR" sz="1800" b="0" i="0" u="none" strike="noStrike" kern="1200" cap="none" spc="0" normalizeH="0" baseline="0" noProof="0" dirty="0">
-                <a:ln>
-                  <a:noFill/>
-                </a:ln>
+              <a:rPr lang="en-US" altLang="ko-KR" dirty="0">
                 <a:solidFill>
                   <a:prstClr val="white"/>
                 </a:solidFill>
-                <a:effectLst/>
-                <a:uLnTx/>
-                <a:uFillTx/>
                 <a:latin typeface="맑은 고딕" panose="020F0502020204030204"/>
                 <a:ea typeface="맑은 고딕" panose="020B0503020000020004" pitchFamily="50" charset="-127"/>
-                <a:cs typeface="+mn-cs"/>
-              </a:rPr>
-              <a:t>2</a:t>
+              </a:rPr>
+              <a:t>3</a:t>
             </a:r>
             <a:endParaRPr kumimoji="0" lang="ko-KR" altLang="en-US" sz="1800" b="0" i="0" u="none" strike="noStrike" kern="1200" cap="none" spc="0" normalizeH="0" baseline="0" noProof="0" dirty="0">
               <a:ln>
@@ -6497,7 +7223,7 @@
         </p:nvSpPr>
         <p:spPr>
           <a:xfrm>
-            <a:off x="832039" y="3302000"/>
+            <a:off x="696941" y="3310389"/>
             <a:ext cx="3005522" cy="1475333"/>
           </a:xfrm>
           <a:prstGeom prst="rect">
@@ -6829,7 +7555,7 @@
         </p:nvSpPr>
         <p:spPr>
           <a:xfrm>
-            <a:off x="724113" y="2848520"/>
+            <a:off x="589015" y="2856909"/>
             <a:ext cx="3221375" cy="307777"/>
           </a:xfrm>
           <a:prstGeom prst="rect">
@@ -6858,7 +7584,7 @@
                 <a:ea typeface="맑은 고딕" panose="020B0503020000020004" pitchFamily="50" charset="-127"/>
                 <a:cs typeface="+mn-cs"/>
               </a:rPr>
-              <a:t>★ </a:t>
+              <a:t>☆ </a:t>
             </a:r>
             <a:r>
               <a:rPr lang="ko-KR" altLang="en-US" sz="1400" b="1" dirty="0" err="1">
@@ -6893,7 +7619,7 @@
         </p:nvSpPr>
         <p:spPr>
           <a:xfrm>
-            <a:off x="4608955" y="3438611"/>
+            <a:off x="4473857" y="3447000"/>
             <a:ext cx="3557397" cy="2012781"/>
           </a:xfrm>
           <a:prstGeom prst="rect">
@@ -7457,7 +8183,7 @@
         </p:nvSpPr>
         <p:spPr>
           <a:xfrm>
-            <a:off x="8498184" y="3503845"/>
+            <a:off x="8363086" y="3512234"/>
             <a:ext cx="3557397" cy="1273488"/>
           </a:xfrm>
           <a:prstGeom prst="rect">
@@ -7710,7 +8436,7 @@
         </p:nvSpPr>
         <p:spPr>
           <a:xfrm>
-            <a:off x="4536231" y="2854514"/>
+            <a:off x="4401133" y="2862903"/>
             <a:ext cx="2897034" cy="307777"/>
           </a:xfrm>
           <a:prstGeom prst="rect">
@@ -7739,7 +8465,7 @@
                 <a:ea typeface="맑은 고딕" panose="020B0503020000020004" pitchFamily="50" charset="-127"/>
                 <a:cs typeface="+mn-cs"/>
               </a:rPr>
-              <a:t>★ </a:t>
+              <a:t>☆ </a:t>
             </a:r>
             <a:r>
               <a:rPr kumimoji="0" lang="ko-KR" altLang="en-US" sz="1400" b="1" i="0" u="none" strike="noStrike" kern="1200" cap="none" spc="0" normalizeH="0" baseline="0" noProof="0" dirty="0" err="1">
@@ -7827,7 +8553,7 @@
         </p:nvSpPr>
         <p:spPr>
           <a:xfrm>
-            <a:off x="8427542" y="2848520"/>
+            <a:off x="8292444" y="2856909"/>
             <a:ext cx="3221375" cy="307777"/>
           </a:xfrm>
           <a:prstGeom prst="rect">
@@ -7873,7 +8599,7 @@
                 <a:ea typeface="맑은 고딕" panose="020B0503020000020004" pitchFamily="50" charset="-127"/>
                 <a:cs typeface="+mn-cs"/>
               </a:rPr>
-              <a:t>★ 최종 완성 기간</a:t>
+              <a:t>☆ 최종 완성 기간</a:t>
             </a:r>
           </a:p>
         </p:txBody>
@@ -7894,7 +8620,7 @@
         </p:nvCxnSpPr>
         <p:spPr>
           <a:xfrm>
-            <a:off x="745850" y="3302000"/>
+            <a:off x="610752" y="3310389"/>
             <a:ext cx="3177899" cy="0"/>
           </a:xfrm>
           <a:prstGeom prst="line">
@@ -7937,7 +8663,7 @@
         </p:nvCxnSpPr>
         <p:spPr>
           <a:xfrm>
-            <a:off x="4608955" y="3302000"/>
+            <a:off x="4473857" y="3310389"/>
             <a:ext cx="3177899" cy="0"/>
           </a:xfrm>
           <a:prstGeom prst="line">
@@ -7980,7 +8706,7 @@
         </p:nvCxnSpPr>
         <p:spPr>
           <a:xfrm>
-            <a:off x="8498184" y="3302000"/>
+            <a:off x="8363086" y="3310389"/>
             <a:ext cx="3177899" cy="0"/>
           </a:xfrm>
           <a:prstGeom prst="line">
@@ -8119,6 +8845,16 @@
               <a:defRPr/>
             </a:pPr>
             <a:r>
+              <a:rPr lang="en-US" altLang="ko-KR" sz="2800" dirty="0">
+                <a:solidFill>
+                  <a:prstClr val="black"/>
+                </a:solidFill>
+                <a:latin typeface="맑은 고딕" panose="020B0503020000020004" pitchFamily="50" charset="-127"/>
+                <a:ea typeface="맑은 고딕" panose="020B0503020000020004" pitchFamily="50" charset="-127"/>
+              </a:rPr>
+              <a:t>4</a:t>
+            </a:r>
+            <a:r>
               <a:rPr kumimoji="0" lang="en-US" altLang="ko-KR" sz="2800" b="0" i="0" u="none" strike="noStrike" kern="1200" cap="none" spc="0" normalizeH="0" baseline="0" noProof="0" dirty="0">
                 <a:ln>
                   <a:noFill/>
@@ -8133,7 +8869,7 @@
                 <a:ea typeface="맑은 고딕" panose="020B0503020000020004" pitchFamily="50" charset="-127"/>
                 <a:cs typeface="+mj-cs"/>
               </a:rPr>
-              <a:t>5. HISTORY</a:t>
+              <a:t>. HISTORY</a:t>
             </a:r>
           </a:p>
         </p:txBody>
@@ -8174,65 +8910,6 @@
           </a:prstGeom>
         </p:spPr>
       </p:pic>
-      <p:sp>
-        <p:nvSpPr>
-          <p:cNvPr id="8" name="TextBox 4">
-            <a:extLst>
-              <a:ext uri="{FF2B5EF4-FFF2-40B4-BE49-F238E27FC236}">
-                <a16:creationId xmlns:a16="http://schemas.microsoft.com/office/drawing/2014/main" id="{7B732A7B-E5FC-C187-1B8B-8F966DF966F8}"/>
-              </a:ext>
-            </a:extLst>
-          </p:cNvPr>
-          <p:cNvSpPr txBox="1"/>
-          <p:nvPr/>
-        </p:nvSpPr>
-        <p:spPr>
-          <a:xfrm>
-            <a:off x="758816" y="769940"/>
-            <a:ext cx="11027428" cy="5856475"/>
-          </a:xfrm>
-          <a:prstGeom prst="rect">
-            <a:avLst/>
-          </a:prstGeom>
-        </p:spPr>
-        <p:txBody>
-          <a:bodyPr lIns="33867" tIns="33867" rIns="33867" bIns="33867" rtlCol="0" anchor="ctr"/>
-          <a:lstStyle/>
-          <a:p>
-            <a:pPr marL="0" marR="0" lvl="0" indent="0" algn="ctr" defTabSz="609630" rtl="0" eaLnBrk="1" fontAlgn="auto" latinLnBrk="0" hangingPunct="1">
-              <a:lnSpc>
-                <a:spcPts val="1773"/>
-              </a:lnSpc>
-              <a:spcBef>
-                <a:spcPct val="0"/>
-              </a:spcBef>
-              <a:spcAft>
-                <a:spcPts val="0"/>
-              </a:spcAft>
-              <a:buClrTx/>
-              <a:buSzTx/>
-              <a:buFontTx/>
-              <a:buNone/>
-              <a:tabLst/>
-              <a:defRPr/>
-            </a:pPr>
-            <a:endParaRPr kumimoji="0" sz="1200" b="0" i="0" u="none" strike="noStrike" kern="1200" cap="none" spc="0" normalizeH="0" baseline="0" noProof="0" dirty="0">
-              <a:ln>
-                <a:noFill/>
-              </a:ln>
-              <a:solidFill>
-                <a:prstClr val="black"/>
-              </a:solidFill>
-              <a:effectLst/>
-              <a:uLnTx/>
-              <a:uFillTx/>
-              <a:latin typeface="Calibri"/>
-              <a:ea typeface="+mn-ea"/>
-              <a:cs typeface="+mn-cs"/>
-            </a:endParaRPr>
-          </a:p>
-        </p:txBody>
-      </p:sp>
       <p:sp>
         <p:nvSpPr>
           <p:cNvPr id="42" name="TextBox 41">
@@ -8279,21 +8956,14 @@
               <a:defRPr/>
             </a:pPr>
             <a:r>
-              <a:rPr kumimoji="0" lang="en-US" altLang="ko-KR" sz="1800" b="0" i="0" u="none" strike="noStrike" kern="1200" cap="none" spc="0" normalizeH="0" baseline="0" noProof="0" dirty="0">
-                <a:ln>
-                  <a:noFill/>
-                </a:ln>
+              <a:rPr lang="en-US" altLang="ko-KR" dirty="0">
                 <a:solidFill>
                   <a:prstClr val="white"/>
                 </a:solidFill>
-                <a:effectLst/>
-                <a:uLnTx/>
-                <a:uFillTx/>
                 <a:latin typeface="맑은 고딕" panose="020F0502020204030204"/>
                 <a:ea typeface="맑은 고딕" panose="020B0503020000020004" pitchFamily="50" charset="-127"/>
-                <a:cs typeface="+mn-cs"/>
-              </a:rPr>
-              <a:t>2</a:t>
+              </a:rPr>
+              <a:t>5</a:t>
             </a:r>
             <a:endParaRPr kumimoji="0" lang="ko-KR" altLang="en-US" sz="1800" b="0" i="0" u="none" strike="noStrike" kern="1200" cap="none" spc="0" normalizeH="0" baseline="0" noProof="0" dirty="0">
               <a:ln>
@@ -8327,14 +8997,14 @@
           <p:nvPr>
             <p:extLst>
               <p:ext uri="{D42A27DB-BD31-4B8C-83A1-F6EECF244321}">
-                <p14:modId xmlns:p14="http://schemas.microsoft.com/office/powerpoint/2010/main" val="2473172710"/>
+                <p14:modId xmlns:p14="http://schemas.microsoft.com/office/powerpoint/2010/main" val="1646977870"/>
               </p:ext>
             </p:extLst>
           </p:nvPr>
         </p:nvGraphicFramePr>
         <p:xfrm>
           <a:off x="261003" y="1929671"/>
-          <a:ext cx="5078528" cy="4458081"/>
+          <a:ext cx="4920310" cy="4458081"/>
         </p:xfrm>
         <a:graphic>
           <a:graphicData uri="http://schemas.openxmlformats.org/drawingml/2006/table">
@@ -8343,21 +9013,14 @@
                 <a:tableStyleId>{8799B23B-EC83-4686-B30A-512413B5E67A}</a:tableStyleId>
               </a:tblPr>
               <a:tblGrid>
-                <a:gridCol w="603630">
+                <a:gridCol w="767202">
                   <a:extLst>
                     <a:ext uri="{9D8B030D-6E8A-4147-A177-3AD203B41FA5}">
                       <a16:colId xmlns:a16="http://schemas.microsoft.com/office/drawing/2014/main" val="569646595"/>
                     </a:ext>
                   </a:extLst>
                 </a:gridCol>
-                <a:gridCol w="1207256">
-                  <a:extLst>
-                    <a:ext uri="{9D8B030D-6E8A-4147-A177-3AD203B41FA5}">
-                      <a16:colId xmlns:a16="http://schemas.microsoft.com/office/drawing/2014/main" val="3150459634"/>
-                    </a:ext>
-                  </a:extLst>
-                </a:gridCol>
-                <a:gridCol w="3267642">
+                <a:gridCol w="4153108">
                   <a:extLst>
                     <a:ext uri="{9D8B030D-6E8A-4147-A177-3AD203B41FA5}">
                       <a16:colId xmlns:a16="http://schemas.microsoft.com/office/drawing/2014/main" val="3837662592"/>
@@ -8404,23 +9067,6 @@
                           <a:schemeClr val="bg1"/>
                         </a:solidFill>
                       </a:endParaRPr>
-                    </a:p>
-                  </a:txBody>
-                  <a:tcPr marL="79115" marR="79115" marT="39558" marB="39558" anchor="ctr"/>
-                </a:tc>
-                <a:tc>
-                  <a:txBody>
-                    <a:bodyPr/>
-                    <a:lstStyle/>
-                    <a:p>
-                      <a:r>
-                        <a:rPr lang="ko-KR" altLang="en-US" sz="1000" b="0" dirty="0">
-                          <a:solidFill>
-                            <a:schemeClr val="bg1"/>
-                          </a:solidFill>
-                        </a:rPr>
-                        <a:t>프로젝트 기획 및 환경 구축</a:t>
-                      </a:r>
                     </a:p>
                   </a:txBody>
                   <a:tcPr marL="79115" marR="79115" marT="39558" marB="39558" anchor="ctr"/>
@@ -8647,31 +9293,6 @@
                     <a:bodyPr/>
                     <a:lstStyle/>
                     <a:p>
-                      <a:r>
-                        <a:rPr lang="en-US" sz="1000" b="0" dirty="0">
-                          <a:solidFill>
-                            <a:schemeClr val="bg1"/>
-                          </a:solidFill>
-                        </a:rPr>
-                        <a:t>Core Layout </a:t>
-                      </a:r>
-                      <a:r>
-                        <a:rPr lang="ko-KR" altLang="en-US" sz="1000" b="0" dirty="0">
-                          <a:solidFill>
-                            <a:schemeClr val="bg1"/>
-                          </a:solidFill>
-                        </a:rPr>
-                        <a:t>완성</a:t>
-                      </a:r>
-                    </a:p>
-                  </a:txBody>
-                  <a:tcPr marL="79115" marR="79115" marT="39558" marB="39558" anchor="ctr"/>
-                </a:tc>
-                <a:tc>
-                  <a:txBody>
-                    <a:bodyPr/>
-                    <a:lstStyle/>
-                    <a:p>
                       <a:pPr marL="171450" indent="-171450">
                         <a:buFont typeface="Arial" panose="020B0604020202020204" pitchFamily="34" charset="0"/>
                         <a:buChar char="•"/>
@@ -8798,46 +9419,6 @@
                     <a:bodyPr/>
                     <a:lstStyle/>
                     <a:p>
-                      <a:r>
-                        <a:rPr lang="en-US" sz="1000" b="0" dirty="0">
-                          <a:solidFill>
-                            <a:schemeClr val="bg1"/>
-                          </a:solidFill>
-                        </a:rPr>
-                        <a:t>Design </a:t>
-                      </a:r>
-                      <a:r>
-                        <a:rPr lang="ko-KR" altLang="en-US" sz="1000" b="0" dirty="0">
-                          <a:solidFill>
-                            <a:schemeClr val="bg1"/>
-                          </a:solidFill>
-                        </a:rPr>
-                        <a:t>착수 및 </a:t>
-                      </a:r>
-                      <a:endParaRPr lang="en-US" altLang="ko-KR" sz="1000" b="0" dirty="0">
-                        <a:solidFill>
-                          <a:schemeClr val="bg1"/>
-                        </a:solidFill>
-                      </a:endParaRPr>
-                    </a:p>
-                    <a:p>
-                      <a:r>
-                        <a:rPr lang="en-US" sz="1000" b="0" dirty="0">
-                          <a:solidFill>
-                            <a:schemeClr val="bg1"/>
-                          </a:solidFill>
-                        </a:rPr>
-                        <a:t>Styling</a:t>
-                      </a:r>
-                    </a:p>
-                  </a:txBody>
-                  <a:tcPr marL="79115" marR="79115" marT="39558" marB="39558" anchor="ctr"/>
-                </a:tc>
-                <a:tc>
-                  <a:txBody>
-                    <a:bodyPr/>
-                    <a:lstStyle/>
-                    <a:p>
                       <a:pPr marL="171450" indent="-171450">
                         <a:buFont typeface="Arial" panose="020B0604020202020204" pitchFamily="34" charset="0"/>
                         <a:buChar char="•"/>
@@ -8956,54 +9537,6 @@
                     <a:bodyPr/>
                     <a:lstStyle/>
                     <a:p>
-                      <a:r>
-                        <a:rPr lang="ko-KR" altLang="en-US" sz="1000" b="0" dirty="0" err="1">
-                          <a:solidFill>
-                            <a:schemeClr val="bg1"/>
-                          </a:solidFill>
-                        </a:rPr>
-                        <a:t>프론트엔드</a:t>
-                      </a:r>
-                      <a:r>
-                        <a:rPr lang="ko-KR" altLang="en-US" sz="1000" b="0" dirty="0">
-                          <a:solidFill>
-                            <a:schemeClr val="bg1"/>
-                          </a:solidFill>
-                        </a:rPr>
-                        <a:t> </a:t>
-                      </a:r>
-                      <a:endParaRPr lang="en-US" altLang="ko-KR" sz="1000" b="0" dirty="0">
-                        <a:solidFill>
-                          <a:schemeClr val="bg1"/>
-                        </a:solidFill>
-                      </a:endParaRPr>
-                    </a:p>
-                    <a:p>
-                      <a:r>
-                        <a:rPr lang="en-US" altLang="ko-KR" sz="1000" b="0" dirty="0">
-                          <a:solidFill>
-                            <a:schemeClr val="bg1"/>
-                          </a:solidFill>
-                        </a:rPr>
-                        <a:t>1</a:t>
-                      </a:r>
-                      <a:r>
-                        <a:rPr lang="ko-KR" altLang="en-US" sz="1000" b="0" dirty="0">
-                          <a:solidFill>
-                            <a:schemeClr val="bg1"/>
-                          </a:solidFill>
-                        </a:rPr>
-                        <a:t>차 통합 완료</a:t>
-                      </a:r>
-                    </a:p>
-                  </a:txBody>
-                  <a:tcPr marL="79115" marR="79115" marT="39558" marB="39558" anchor="ctr"/>
-                </a:tc>
-                <a:tc>
-                  <a:txBody>
-                    <a:bodyPr/>
-                    <a:lstStyle/>
-                    <a:p>
                       <a:pPr marL="171450" indent="-171450">
                         <a:buFont typeface="Arial" panose="020B0604020202020204" pitchFamily="34" charset="0"/>
                         <a:buChar char="•"/>
@@ -9133,14 +9666,14 @@
           <p:nvPr>
             <p:extLst>
               <p:ext uri="{D42A27DB-BD31-4B8C-83A1-F6EECF244321}">
-                <p14:modId xmlns:p14="http://schemas.microsoft.com/office/powerpoint/2010/main" val="1666488603"/>
+                <p14:modId xmlns:p14="http://schemas.microsoft.com/office/powerpoint/2010/main" val="4164086376"/>
               </p:ext>
             </p:extLst>
           </p:nvPr>
         </p:nvGraphicFramePr>
         <p:xfrm>
-          <a:off x="5587068" y="1925171"/>
-          <a:ext cx="6402054" cy="4470616"/>
+          <a:off x="5587067" y="1925171"/>
+          <a:ext cx="6199177" cy="4464436"/>
         </p:xfrm>
         <a:graphic>
           <a:graphicData uri="http://schemas.openxmlformats.org/drawingml/2006/table">
@@ -9149,21 +9682,14 @@
                 <a:tableStyleId>{8799B23B-EC83-4686-B30A-512413B5E67A}</a:tableStyleId>
               </a:tblPr>
               <a:tblGrid>
-                <a:gridCol w="592764">
+                <a:gridCol w="851137">
                   <a:extLst>
                     <a:ext uri="{9D8B030D-6E8A-4147-A177-3AD203B41FA5}">
                       <a16:colId xmlns:a16="http://schemas.microsoft.com/office/drawing/2014/main" val="62630620"/>
                     </a:ext>
                   </a:extLst>
                 </a:gridCol>
-                <a:gridCol w="1328532">
-                  <a:extLst>
-                    <a:ext uri="{9D8B030D-6E8A-4147-A177-3AD203B41FA5}">
-                      <a16:colId xmlns:a16="http://schemas.microsoft.com/office/drawing/2014/main" val="3422457261"/>
-                    </a:ext>
-                  </a:extLst>
-                </a:gridCol>
-                <a:gridCol w="4480758">
+                <a:gridCol w="5348040">
                   <a:extLst>
                     <a:ext uri="{9D8B030D-6E8A-4147-A177-3AD203B41FA5}">
                       <a16:colId xmlns:a16="http://schemas.microsoft.com/office/drawing/2014/main" val="2277403672"/>
@@ -9171,7 +9697,7 @@
                   </a:extLst>
                 </a:gridCol>
               </a:tblGrid>
-              <a:tr h="760413">
+              <a:tr h="751049">
                 <a:tc>
                   <a:txBody>
                     <a:bodyPr/>
@@ -9210,46 +9736,6 @@
                           <a:schemeClr val="bg1"/>
                         </a:solidFill>
                       </a:endParaRPr>
-                    </a:p>
-                  </a:txBody>
-                  <a:tcPr marL="43513" marR="43513" marT="21757" marB="21757" anchor="ctr"/>
-                </a:tc>
-                <a:tc>
-                  <a:txBody>
-                    <a:bodyPr/>
-                    <a:lstStyle/>
-                    <a:p>
-                      <a:r>
-                        <a:rPr lang="en-US" altLang="ko-KR" sz="1000" b="0" dirty="0">
-                          <a:solidFill>
-                            <a:schemeClr val="bg1"/>
-                          </a:solidFill>
-                        </a:rPr>
-                        <a:t>Backend </a:t>
-                      </a:r>
-                      <a:r>
-                        <a:rPr lang="ko-KR" altLang="en-US" sz="1000" b="0" dirty="0">
-                          <a:solidFill>
-                            <a:schemeClr val="bg1"/>
-                          </a:solidFill>
-                        </a:rPr>
-                        <a:t>전환 및</a:t>
-                      </a:r>
-                      <a:endParaRPr lang="en-US" altLang="ko-KR" sz="1000" b="0" dirty="0">
-                        <a:solidFill>
-                          <a:schemeClr val="bg1"/>
-                        </a:solidFill>
-                      </a:endParaRPr>
-                    </a:p>
-                    <a:p>
-                      <a:r>
-                        <a:rPr lang="ko-KR" altLang="en-US" sz="1000" b="0" dirty="0">
-                          <a:solidFill>
-                            <a:schemeClr val="bg1"/>
-                          </a:solidFill>
-                        </a:rPr>
-                        <a:t>환경 설정</a:t>
-                      </a:r>
                     </a:p>
                   </a:txBody>
                   <a:tcPr marL="43513" marR="43513" marT="21757" marB="21757" anchor="ctr"/>
@@ -9396,7 +9882,7 @@
                   </a:ext>
                 </a:extLst>
               </a:tr>
-              <a:tr h="440134">
+              <a:tr h="434714">
                 <a:tc>
                   <a:txBody>
                     <a:bodyPr/>
@@ -9435,31 +9921,6 @@
                           <a:schemeClr val="bg1"/>
                         </a:solidFill>
                       </a:endParaRPr>
-                    </a:p>
-                  </a:txBody>
-                  <a:tcPr marL="43513" marR="43513" marT="21757" marB="21757" anchor="ctr"/>
-                </a:tc>
-                <a:tc>
-                  <a:txBody>
-                    <a:bodyPr/>
-                    <a:lstStyle/>
-                    <a:p>
-                      <a:r>
-                        <a:rPr lang="en-US" altLang="ko-KR" sz="1000" b="0" dirty="0">
-                          <a:solidFill>
-                            <a:schemeClr val="bg1"/>
-                          </a:solidFill>
-                        </a:rPr>
-                        <a:t>Backend CRUD </a:t>
-                      </a:r>
-                      <a:r>
-                        <a:rPr lang="ko-KR" altLang="en-US" sz="1000" b="0" dirty="0">
-                          <a:solidFill>
-                            <a:schemeClr val="bg1"/>
-                          </a:solidFill>
-                        </a:rPr>
-                        <a:t>착수</a:t>
-                      </a:r>
                     </a:p>
                   </a:txBody>
                   <a:tcPr marL="43513" marR="43513" marT="21757" marB="21757" anchor="ctr"/>
@@ -9568,7 +10029,7 @@
                   </a:ext>
                 </a:extLst>
               </a:tr>
-              <a:tr h="406897">
+              <a:tr h="450761">
                 <a:tc>
                   <a:txBody>
                     <a:bodyPr/>
@@ -9607,39 +10068,6 @@
                           <a:schemeClr val="bg1"/>
                         </a:solidFill>
                       </a:endParaRPr>
-                    </a:p>
-                  </a:txBody>
-                  <a:tcPr marL="43513" marR="43513" marT="21757" marB="21757" anchor="ctr"/>
-                </a:tc>
-                <a:tc>
-                  <a:txBody>
-                    <a:bodyPr/>
-                    <a:lstStyle/>
-                    <a:p>
-                      <a:r>
-                        <a:rPr lang="ko-KR" altLang="en-US" sz="1000" b="0" dirty="0">
-                          <a:solidFill>
-                            <a:schemeClr val="bg1"/>
-                          </a:solidFill>
-                        </a:rPr>
-                        <a:t>회원 관리 </a:t>
-                      </a:r>
-                      <a:r>
-                        <a:rPr lang="en-US" altLang="ko-KR" sz="1000" b="0" dirty="0">
-                          <a:solidFill>
-                            <a:schemeClr val="bg1"/>
-                          </a:solidFill>
-                        </a:rPr>
-                        <a:t>CRUD </a:t>
-                      </a:r>
-                      <a:r>
-                        <a:rPr lang="ko-KR" altLang="en-US" sz="1000" b="0" dirty="0">
-                          <a:solidFill>
-                            <a:schemeClr val="bg1"/>
-                          </a:solidFill>
-                        </a:rPr>
-                        <a:t>구현</a:t>
-                      </a:r>
                     </a:p>
                   </a:txBody>
                   <a:tcPr marL="43513" marR="43513" marT="21757" marB="21757" anchor="ctr"/>
@@ -9772,7 +10200,7 @@
                   </a:ext>
                 </a:extLst>
               </a:tr>
-              <a:tr h="715793">
+              <a:tr h="706978">
                 <a:tc>
                   <a:txBody>
                     <a:bodyPr/>
@@ -9811,55 +10239,6 @@
                           <a:schemeClr val="bg1"/>
                         </a:solidFill>
                       </a:endParaRPr>
-                    </a:p>
-                  </a:txBody>
-                  <a:tcPr marL="43513" marR="43513" marT="21757" marB="21757" anchor="ctr"/>
-                </a:tc>
-                <a:tc>
-                  <a:txBody>
-                    <a:bodyPr/>
-                    <a:lstStyle/>
-                    <a:p>
-                      <a:r>
-                        <a:rPr lang="ko-KR" altLang="en-US" sz="1000" b="0" dirty="0">
-                          <a:solidFill>
-                            <a:schemeClr val="bg1"/>
-                          </a:solidFill>
-                        </a:rPr>
-                        <a:t>예약 </a:t>
-                      </a:r>
-                      <a:r>
-                        <a:rPr lang="en-US" altLang="ko-KR" sz="1000" b="0" dirty="0">
-                          <a:solidFill>
-                            <a:schemeClr val="bg1"/>
-                          </a:solidFill>
-                        </a:rPr>
-                        <a:t>CRUD </a:t>
-                      </a:r>
-                      <a:r>
-                        <a:rPr lang="ko-KR" altLang="en-US" sz="1000" b="0" dirty="0">
-                          <a:solidFill>
-                            <a:schemeClr val="bg1"/>
-                          </a:solidFill>
-                        </a:rPr>
-                        <a:t>구현 및 </a:t>
-                      </a:r>
-                      <a:r>
-                        <a:rPr lang="en-US" altLang="ko-KR" sz="1000" b="0" dirty="0">
-                          <a:solidFill>
-                            <a:schemeClr val="bg1"/>
-                          </a:solidFill>
-                        </a:rPr>
-                        <a:t>Backend MVC </a:t>
-                      </a:r>
-                      <a:r>
-                        <a:rPr lang="ko-KR" altLang="en-US" sz="1000" b="0" dirty="0">
-                          <a:solidFill>
-                            <a:schemeClr val="bg1"/>
-                          </a:solidFill>
-                        </a:rPr>
-                        <a:t>정립</a:t>
-                      </a:r>
                     </a:p>
                   </a:txBody>
                   <a:tcPr marL="43513" marR="43513" marT="21757" marB="21757" anchor="ctr"/>
@@ -10035,7 +10414,7 @@
                   </a:ext>
                 </a:extLst>
               </a:tr>
-              <a:tr h="715793">
+              <a:tr h="706978">
                 <a:tc>
                   <a:txBody>
                     <a:bodyPr/>
@@ -10074,62 +10453,6 @@
                           <a:schemeClr val="bg1"/>
                         </a:solidFill>
                       </a:endParaRPr>
-                    </a:p>
-                  </a:txBody>
-                  <a:tcPr marL="43513" marR="43513" marT="21757" marB="21757" anchor="ctr"/>
-                </a:tc>
-                <a:tc>
-                  <a:txBody>
-                    <a:bodyPr/>
-                    <a:lstStyle/>
-                    <a:p>
-                      <a:r>
-                        <a:rPr lang="en-US" altLang="ko-KR" sz="1000" b="0" dirty="0">
-                          <a:solidFill>
-                            <a:schemeClr val="bg1"/>
-                          </a:solidFill>
-                        </a:rPr>
-                        <a:t>View </a:t>
-                      </a:r>
-                      <a:r>
-                        <a:rPr lang="ko-KR" altLang="en-US" sz="1000" b="0" dirty="0">
-                          <a:solidFill>
-                            <a:schemeClr val="bg1"/>
-                          </a:solidFill>
-                        </a:rPr>
-                        <a:t>연동 및</a:t>
-                      </a:r>
-                      <a:endParaRPr lang="en-US" altLang="ko-KR" sz="1000" b="0" dirty="0">
-                        <a:solidFill>
-                          <a:schemeClr val="bg1"/>
-                        </a:solidFill>
-                      </a:endParaRPr>
-                    </a:p>
-                    <a:p>
-                      <a:r>
-                        <a:rPr lang="ko-KR" altLang="en-US" sz="1000" b="0" dirty="0">
-                          <a:solidFill>
-                            <a:schemeClr val="bg1"/>
-                          </a:solidFill>
-                        </a:rPr>
-                        <a:t>기능</a:t>
-                      </a:r>
-                      <a:r>
-                        <a:rPr lang="en-US" altLang="ko-KR" sz="1000" b="0" dirty="0">
-                          <a:solidFill>
-                            <a:schemeClr val="bg1"/>
-                          </a:solidFill>
-                        </a:rPr>
-                        <a:t> </a:t>
-                      </a:r>
-                      <a:r>
-                        <a:rPr lang="ko-KR" altLang="en-US" sz="1000" b="0" dirty="0">
-                          <a:solidFill>
-                            <a:schemeClr val="bg1"/>
-                          </a:solidFill>
-                        </a:rPr>
-                        <a:t>최종 완성</a:t>
-                      </a:r>
                     </a:p>
                   </a:txBody>
                   <a:tcPr marL="43513" marR="43513" marT="21757" marB="21757" anchor="ctr"/>
@@ -10257,7 +10580,7 @@
                   </a:ext>
                 </a:extLst>
               </a:tr>
-              <a:tr h="715793">
+              <a:tr h="706978">
                 <a:tc>
                   <a:txBody>
                     <a:bodyPr/>
@@ -10305,38 +10628,6 @@
                     <a:bodyPr/>
                     <a:lstStyle/>
                     <a:p>
-                      <a:r>
-                        <a:rPr lang="ko-KR" altLang="en-US" sz="1000" b="0" dirty="0">
-                          <a:solidFill>
-                            <a:schemeClr val="bg1"/>
-                          </a:solidFill>
-                        </a:rPr>
-                        <a:t>보조 기능 구현 및</a:t>
-                      </a:r>
-                      <a:endParaRPr lang="en-US" altLang="ko-KR" sz="1000" b="0" dirty="0">
-                        <a:solidFill>
-                          <a:schemeClr val="bg1"/>
-                        </a:solidFill>
-                      </a:endParaRPr>
-                    </a:p>
-                    <a:p>
-                      <a:r>
-                        <a:rPr lang="ko-KR" altLang="en-US" sz="1000" b="0" dirty="0">
-                          <a:solidFill>
-                            <a:schemeClr val="bg1"/>
-                          </a:solidFill>
-                        </a:rPr>
-                        <a:t>코드 통합</a:t>
-                      </a:r>
-                    </a:p>
-                  </a:txBody>
-                  <a:tcPr marL="43513" marR="43513" marT="21757" marB="21757" anchor="ctr"/>
-                </a:tc>
-                <a:tc>
-                  <a:txBody>
-                    <a:bodyPr/>
-                    <a:lstStyle/>
-                    <a:p>
                       <a:pPr marL="171450" indent="-171450">
                         <a:buFont typeface="Arial" panose="020B0604020202020204" pitchFamily="34" charset="0"/>
                         <a:buChar char="•"/>
@@ -10474,7 +10765,7 @@
                   </a:ext>
                 </a:extLst>
               </a:tr>
-              <a:tr h="715793">
+              <a:tr h="706978">
                 <a:tc>
                   <a:txBody>
                     <a:bodyPr/>
@@ -10513,38 +10804,6 @@
                           <a:schemeClr val="bg1"/>
                         </a:solidFill>
                       </a:endParaRPr>
-                    </a:p>
-                  </a:txBody>
-                  <a:tcPr marL="43513" marR="43513" marT="21757" marB="21757" anchor="ctr"/>
-                </a:tc>
-                <a:tc>
-                  <a:txBody>
-                    <a:bodyPr/>
-                    <a:lstStyle/>
-                    <a:p>
-                      <a:r>
-                        <a:rPr lang="ko-KR" altLang="en-US" sz="1000" b="0" dirty="0">
-                          <a:solidFill>
-                            <a:schemeClr val="bg1"/>
-                          </a:solidFill>
-                        </a:rPr>
-                        <a:t>통합 테스트 및</a:t>
-                      </a:r>
-                      <a:endParaRPr lang="en-US" altLang="ko-KR" sz="1000" b="0" dirty="0">
-                        <a:solidFill>
-                          <a:schemeClr val="bg1"/>
-                        </a:solidFill>
-                      </a:endParaRPr>
-                    </a:p>
-                    <a:p>
-                      <a:r>
-                        <a:rPr lang="ko-KR" altLang="en-US" sz="1000" b="0" dirty="0">
-                          <a:solidFill>
-                            <a:schemeClr val="bg1"/>
-                          </a:solidFill>
-                        </a:rPr>
-                        <a:t>버그 수정</a:t>
-                      </a:r>
                     </a:p>
                   </a:txBody>
                   <a:tcPr marL="43513" marR="43513" marT="21757" marB="21757" anchor="ctr"/>
@@ -10688,7 +10947,7 @@
                 <a:ea typeface="맑은 고딕" panose="020B0503020000020004" pitchFamily="50" charset="-127"/>
                 <a:cs typeface="+mn-cs"/>
               </a:rPr>
-              <a:t>★ </a:t>
+              <a:t> ☆ </a:t>
             </a:r>
             <a:r>
               <a:rPr kumimoji="0" lang="ko-KR" altLang="en-US" sz="1200" b="1" i="0" u="none" strike="noStrike" kern="1200" cap="none" spc="0" normalizeH="0" baseline="0" noProof="0" dirty="0" err="1">
@@ -10787,7 +11046,7 @@
                 <a:ea typeface="맑은 고딕" panose="020B0503020000020004" pitchFamily="50" charset="-127"/>
                 <a:cs typeface="+mn-cs"/>
               </a:rPr>
-              <a:t>★ </a:t>
+              <a:t>☆ </a:t>
             </a:r>
             <a:r>
               <a:rPr kumimoji="0" lang="ko-KR" altLang="en-US" sz="1200" b="1" i="0" u="none" strike="noStrike" kern="1200" cap="none" spc="0" normalizeH="0" baseline="0" noProof="0" dirty="0" err="1">
@@ -10877,7 +11136,7 @@
     </p:spTree>
     <p:extLst>
       <p:ext uri="{BB962C8B-B14F-4D97-AF65-F5344CB8AC3E}">
-        <p14:creationId xmlns:p14="http://schemas.microsoft.com/office/powerpoint/2010/main" val="3828276715"/>
+        <p14:creationId xmlns:p14="http://schemas.microsoft.com/office/powerpoint/2010/main" val="248262209"/>
       </p:ext>
     </p:extLst>
   </p:cSld>
@@ -10986,6 +11245,16 @@
               <a:defRPr/>
             </a:pPr>
             <a:r>
+              <a:rPr lang="en-US" altLang="ko-KR" sz="2800" dirty="0">
+                <a:solidFill>
+                  <a:prstClr val="black"/>
+                </a:solidFill>
+                <a:latin typeface="맑은 고딕" panose="020B0503020000020004" pitchFamily="50" charset="-127"/>
+                <a:ea typeface="맑은 고딕" panose="020B0503020000020004" pitchFamily="50" charset="-127"/>
+              </a:rPr>
+              <a:t>4</a:t>
+            </a:r>
+            <a:r>
               <a:rPr kumimoji="0" lang="en-US" altLang="ko-KR" sz="2800" b="0" i="0" u="none" strike="noStrike" kern="1200" cap="none" spc="0" normalizeH="0" baseline="0" noProof="0" dirty="0">
                 <a:ln>
                   <a:noFill/>
@@ -11000,7 +11269,7 @@
                 <a:ea typeface="맑은 고딕" panose="020B0503020000020004" pitchFamily="50" charset="-127"/>
                 <a:cs typeface="+mj-cs"/>
               </a:rPr>
-              <a:t>5. HISTORY</a:t>
+              <a:t>. HISTORY</a:t>
             </a:r>
           </a:p>
         </p:txBody>
@@ -11160,7 +11429,7 @@
                 <a:ea typeface="맑은 고딕" panose="020B0503020000020004" pitchFamily="50" charset="-127"/>
                 <a:cs typeface="+mn-cs"/>
               </a:rPr>
-              <a:t>2</a:t>
+              <a:t>6</a:t>
             </a:r>
             <a:endParaRPr kumimoji="0" lang="ko-KR" altLang="en-US" sz="1800" b="0" i="0" u="none" strike="noStrike" kern="1200" cap="none" spc="0" normalizeH="0" baseline="0" noProof="0" dirty="0">
               <a:ln>
@@ -11225,7 +11494,7 @@
               <a:defRPr/>
             </a:pPr>
             <a:r>
-              <a:rPr kumimoji="0" lang="ko-KR" altLang="en-US" sz="1600" b="0" i="0" u="none" strike="noStrike" kern="1200" cap="none" spc="0" normalizeH="0" baseline="0" noProof="0" dirty="0">
+              <a:rPr kumimoji="0" lang="ko-KR" altLang="en-US" sz="1600" b="1" i="0" u="none" strike="noStrike" kern="1200" cap="none" spc="0" normalizeH="0" baseline="0" noProof="0" dirty="0">
                 <a:ln>
                   <a:noFill/>
                 </a:ln>
@@ -11239,7 +11508,7 @@
                 <a:ea typeface="맑은 고딕" panose="020B0503020000020004" pitchFamily="50" charset="-127"/>
                 <a:cs typeface="+mn-cs"/>
               </a:rPr>
-              <a:t>★ 최종 완성 기간</a:t>
+              <a:t>☆ 최종 완성 기간</a:t>
             </a:r>
           </a:p>
         </p:txBody>
@@ -11259,14 +11528,14 @@
           <p:nvPr>
             <p:extLst>
               <p:ext uri="{D42A27DB-BD31-4B8C-83A1-F6EECF244321}">
-                <p14:modId xmlns:p14="http://schemas.microsoft.com/office/powerpoint/2010/main" val="223439471"/>
+                <p14:modId xmlns:p14="http://schemas.microsoft.com/office/powerpoint/2010/main" val="3168389216"/>
               </p:ext>
             </p:extLst>
           </p:nvPr>
         </p:nvGraphicFramePr>
         <p:xfrm>
           <a:off x="1015068" y="2865397"/>
-          <a:ext cx="9436692" cy="2011680"/>
+          <a:ext cx="10024844" cy="2604224"/>
         </p:xfrm>
         <a:graphic>
           <a:graphicData uri="http://schemas.openxmlformats.org/drawingml/2006/table">
@@ -11275,21 +11544,14 @@
                 <a:tableStyleId>{8799B23B-EC83-4686-B30A-512413B5E67A}</a:tableStyleId>
               </a:tblPr>
               <a:tblGrid>
-                <a:gridCol w="876427">
+                <a:gridCol w="1947805">
                   <a:extLst>
                     <a:ext uri="{9D8B030D-6E8A-4147-A177-3AD203B41FA5}">
                       <a16:colId xmlns:a16="http://schemas.microsoft.com/office/drawing/2014/main" val="190336083"/>
                     </a:ext>
                   </a:extLst>
                 </a:gridCol>
-                <a:gridCol w="3095538">
-                  <a:extLst>
-                    <a:ext uri="{9D8B030D-6E8A-4147-A177-3AD203B41FA5}">
-                      <a16:colId xmlns:a16="http://schemas.microsoft.com/office/drawing/2014/main" val="1022201357"/>
-                    </a:ext>
-                  </a:extLst>
-                </a:gridCol>
-                <a:gridCol w="5464727">
+                <a:gridCol w="8077039">
                   <a:extLst>
                     <a:ext uri="{9D8B030D-6E8A-4147-A177-3AD203B41FA5}">
                       <a16:colId xmlns:a16="http://schemas.microsoft.com/office/drawing/2014/main" val="3857420016"/>
@@ -11297,7 +11559,7 @@
                   </a:extLst>
                 </a:gridCol>
               </a:tblGrid>
-              <a:tr h="0">
+              <a:tr h="828617">
                 <a:tc>
                   <a:txBody>
                     <a:bodyPr/>
@@ -11345,23 +11607,6 @@
                     <a:bodyPr/>
                     <a:lstStyle/>
                     <a:p>
-                      <a:r>
-                        <a:rPr lang="ko-KR" altLang="en-US" sz="1200" b="0" dirty="0">
-                          <a:solidFill>
-                            <a:schemeClr val="bg1"/>
-                          </a:solidFill>
-                        </a:rPr>
-                        <a:t>최종 기능 통합 및 테스트</a:t>
-                      </a:r>
-                    </a:p>
-                  </a:txBody>
-                  <a:tcPr anchor="ctr"/>
-                </a:tc>
-                <a:tc>
-                  <a:txBody>
-                    <a:bodyPr/>
-                    <a:lstStyle/>
-                    <a:p>
                       <a:pPr marL="285750" indent="-285750">
                         <a:buFont typeface="Arial" panose="020B0604020202020204" pitchFamily="34" charset="0"/>
                         <a:buChar char="•"/>
@@ -11460,7 +11705,7 @@
                   </a:ext>
                 </a:extLst>
               </a:tr>
-              <a:tr h="0">
+              <a:tr h="591869">
                 <a:tc>
                   <a:txBody>
                     <a:bodyPr/>
@@ -11508,23 +11753,6 @@
                     <a:bodyPr/>
                     <a:lstStyle/>
                     <a:p>
-                      <a:r>
-                        <a:rPr lang="ko-KR" altLang="en-US" sz="1200" b="0" dirty="0">
-                          <a:solidFill>
-                            <a:schemeClr val="bg1"/>
-                          </a:solidFill>
-                        </a:rPr>
-                        <a:t>시스템 안정화 및 문서화 착수</a:t>
-                      </a:r>
-                    </a:p>
-                  </a:txBody>
-                  <a:tcPr anchor="ctr"/>
-                </a:tc>
-                <a:tc>
-                  <a:txBody>
-                    <a:bodyPr/>
-                    <a:lstStyle/>
-                    <a:p>
                       <a:pPr marL="285750" indent="-285750">
                         <a:buFont typeface="Arial" panose="020B0604020202020204" pitchFamily="34" charset="0"/>
                         <a:buChar char="•"/>
@@ -11609,7 +11837,7 @@
                   </a:ext>
                 </a:extLst>
               </a:tr>
-              <a:tr h="0">
+              <a:tr h="591869">
                 <a:tc>
                   <a:txBody>
                     <a:bodyPr/>
@@ -11657,39 +11885,6 @@
                     <a:bodyPr/>
                     <a:lstStyle/>
                     <a:p>
-                      <a:r>
-                        <a:rPr lang="ko-KR" altLang="en-US" sz="1200" b="0" dirty="0">
-                          <a:solidFill>
-                            <a:schemeClr val="bg1"/>
-                          </a:solidFill>
-                        </a:rPr>
-                        <a:t>최종 코드 병합 및 </a:t>
-                      </a:r>
-                      <a:r>
-                        <a:rPr lang="en-US" altLang="ko-KR" sz="1200" b="0" dirty="0">
-                          <a:solidFill>
-                            <a:schemeClr val="bg1"/>
-                          </a:solidFill>
-                        </a:rPr>
-                        <a:t>QA </a:t>
-                      </a:r>
-                      <a:r>
-                        <a:rPr lang="ko-KR" altLang="en-US" sz="1200" b="0" dirty="0">
-                          <a:solidFill>
-                            <a:schemeClr val="bg1"/>
-                          </a:solidFill>
-                        </a:rPr>
-                        <a:t>완료</a:t>
-                      </a:r>
-                    </a:p>
-                  </a:txBody>
-                  <a:tcPr anchor="ctr"/>
-                </a:tc>
-                <a:tc>
-                  <a:txBody>
-                    <a:bodyPr/>
-                    <a:lstStyle/>
-                    <a:p>
                       <a:pPr marL="285750" indent="-285750">
                         <a:buFont typeface="Arial" panose="020B0604020202020204" pitchFamily="34" charset="0"/>
                         <a:buChar char="•"/>
@@ -11798,7 +11993,7 @@
                   </a:ext>
                 </a:extLst>
               </a:tr>
-              <a:tr h="0">
+              <a:tr h="591869">
                 <a:tc>
                   <a:txBody>
                     <a:bodyPr/>
@@ -11837,23 +12032,6 @@
                           <a:schemeClr val="bg1"/>
                         </a:solidFill>
                       </a:endParaRPr>
-                    </a:p>
-                  </a:txBody>
-                  <a:tcPr anchor="ctr"/>
-                </a:tc>
-                <a:tc>
-                  <a:txBody>
-                    <a:bodyPr/>
-                    <a:lstStyle/>
-                    <a:p>
-                      <a:r>
-                        <a:rPr lang="ko-KR" altLang="en-US" sz="1200" b="0" dirty="0">
-                          <a:solidFill>
-                            <a:schemeClr val="bg1"/>
-                          </a:solidFill>
-                        </a:rPr>
-                        <a:t>프로젝트 최종 종료</a:t>
-                      </a:r>
                     </a:p>
                   </a:txBody>
                   <a:tcPr anchor="ctr"/>
@@ -11938,7 +12116,7 @@
     </p:spTree>
     <p:extLst>
       <p:ext uri="{BB962C8B-B14F-4D97-AF65-F5344CB8AC3E}">
-        <p14:creationId xmlns:p14="http://schemas.microsoft.com/office/powerpoint/2010/main" val="3615565462"/>
+        <p14:creationId xmlns:p14="http://schemas.microsoft.com/office/powerpoint/2010/main" val="3887356000"/>
       </p:ext>
     </p:extLst>
   </p:cSld>
@@ -12047,6 +12225,16 @@
               <a:defRPr/>
             </a:pPr>
             <a:r>
+              <a:rPr lang="en-US" altLang="ko-KR" sz="2800" dirty="0">
+                <a:solidFill>
+                  <a:prstClr val="black"/>
+                </a:solidFill>
+                <a:latin typeface="맑은 고딕" panose="020B0503020000020004" pitchFamily="50" charset="-127"/>
+                <a:ea typeface="맑은 고딕" panose="020B0503020000020004" pitchFamily="50" charset="-127"/>
+              </a:rPr>
+              <a:t>5</a:t>
+            </a:r>
+            <a:r>
               <a:rPr kumimoji="0" lang="en-US" altLang="ko-KR" sz="2800" b="0" i="0" u="none" strike="noStrike" kern="1200" cap="none" spc="0" normalizeH="0" baseline="0" noProof="0" dirty="0">
                 <a:ln>
                   <a:noFill/>
@@ -12061,7 +12249,7 @@
                 <a:ea typeface="맑은 고딕" panose="020B0503020000020004" pitchFamily="50" charset="-127"/>
                 <a:cs typeface="+mj-cs"/>
               </a:rPr>
-              <a:t>6. </a:t>
+              <a:t>. </a:t>
             </a:r>
             <a:r>
               <a:rPr lang="ko-KR" altLang="en-US" sz="2800" dirty="0">
@@ -12245,7 +12433,7 @@
                 <a:ea typeface="맑은 고딕" panose="020B0503020000020004" pitchFamily="50" charset="-127"/>
                 <a:cs typeface="+mn-cs"/>
               </a:rPr>
-              <a:t>3</a:t>
+              <a:t>7</a:t>
             </a:r>
             <a:endParaRPr kumimoji="0" lang="ko-KR" altLang="en-US" sz="1800" b="0" i="0" u="none" strike="noStrike" kern="1200" cap="none" spc="0" normalizeH="0" baseline="0" noProof="0" dirty="0">
               <a:ln>
@@ -12286,7 +12474,7 @@
         </p:blipFill>
         <p:spPr>
           <a:xfrm>
-            <a:off x="353061" y="1904504"/>
+            <a:off x="561393" y="1904504"/>
             <a:ext cx="2015696" cy="2623369"/>
           </a:xfrm>
           <a:prstGeom prst="rect">
@@ -12296,10 +12484,10 @@
       </p:pic>
       <p:pic>
         <p:nvPicPr>
-          <p:cNvPr id="12" name="그림 11">
+          <p:cNvPr id="7" name="그림 6">
             <a:extLst>
               <a:ext uri="{FF2B5EF4-FFF2-40B4-BE49-F238E27FC236}">
-                <a16:creationId xmlns:a16="http://schemas.microsoft.com/office/drawing/2014/main" id="{423A45F5-9B6D-43C9-99F7-27A64FEEB134}"/>
+                <a16:creationId xmlns:a16="http://schemas.microsoft.com/office/drawing/2014/main" id="{635712FF-D1FB-45C0-96B1-E3F0CF5DA672}"/>
               </a:ext>
             </a:extLst>
           </p:cNvPr>
@@ -12308,15 +12496,16 @@
           </p:cNvPicPr>
           <p:nvPr/>
         </p:nvPicPr>
-        <p:blipFill rotWithShape="1">
+        <p:blipFill>
           <a:blip r:embed="rId4"/>
-          <a:srcRect l="3161" t="48589" b="562"/>
-          <a:stretch/>
+          <a:stretch>
+            <a:fillRect/>
+          </a:stretch>
         </p:blipFill>
         <p:spPr>
           <a:xfrm>
-            <a:off x="5588639" y="1904504"/>
-            <a:ext cx="2469999" cy="3487118"/>
+            <a:off x="3518582" y="1904504"/>
+            <a:ext cx="2469999" cy="3475332"/>
           </a:xfrm>
           <a:prstGeom prst="rect">
             <a:avLst/>
@@ -12325,10 +12514,10 @@
       </p:pic>
       <p:pic>
         <p:nvPicPr>
-          <p:cNvPr id="14" name="그림 13">
+          <p:cNvPr id="10" name="그림 9">
             <a:extLst>
               <a:ext uri="{FF2B5EF4-FFF2-40B4-BE49-F238E27FC236}">
-                <a16:creationId xmlns:a16="http://schemas.microsoft.com/office/drawing/2014/main" id="{38563567-2B72-4DF6-882A-A89E7F88D0DF}"/>
+                <a16:creationId xmlns:a16="http://schemas.microsoft.com/office/drawing/2014/main" id="{12AF583A-1DAB-42D9-91CD-20584AE54F1F}"/>
               </a:ext>
             </a:extLst>
           </p:cNvPr>
@@ -12337,16 +12526,15 @@
           </p:cNvPicPr>
           <p:nvPr/>
         </p:nvPicPr>
-        <p:blipFill>
+        <p:blipFill rotWithShape="1">
           <a:blip r:embed="rId5"/>
-          <a:stretch>
-            <a:fillRect/>
-          </a:stretch>
+          <a:srcRect l="3282" r="2422"/>
+          <a:stretch/>
         </p:blipFill>
         <p:spPr>
           <a:xfrm>
-            <a:off x="2815062" y="1904505"/>
-            <a:ext cx="2469999" cy="3487117"/>
+            <a:off x="6296550" y="1904504"/>
+            <a:ext cx="2532505" cy="3488224"/>
           </a:xfrm>
           <a:prstGeom prst="rect">
             <a:avLst/>
@@ -12355,10 +12543,10 @@
       </p:pic>
       <p:pic>
         <p:nvPicPr>
-          <p:cNvPr id="21" name="그림 20">
+          <p:cNvPr id="19" name="그림 18">
             <a:extLst>
               <a:ext uri="{FF2B5EF4-FFF2-40B4-BE49-F238E27FC236}">
-                <a16:creationId xmlns:a16="http://schemas.microsoft.com/office/drawing/2014/main" id="{D236530B-1DD8-418E-8202-F92BF45F93E5}"/>
+                <a16:creationId xmlns:a16="http://schemas.microsoft.com/office/drawing/2014/main" id="{E873AD6A-3192-4A29-B198-C30BF659AE8F}"/>
               </a:ext>
             </a:extLst>
           </p:cNvPr>
@@ -12375,8 +12563,8 @@
         </p:blipFill>
         <p:spPr>
           <a:xfrm>
-            <a:off x="8464393" y="1904504"/>
-            <a:ext cx="2774321" cy="3474226"/>
+            <a:off x="9137024" y="1904504"/>
+            <a:ext cx="2532505" cy="3474226"/>
           </a:xfrm>
           <a:prstGeom prst="rect">
             <a:avLst/>
@@ -12441,8 +12629,8 @@
         </p:nvSpPr>
         <p:spPr>
           <a:xfrm>
-            <a:off x="8255640" y="3872942"/>
-            <a:ext cx="2893118" cy="1859697"/>
+            <a:off x="750056" y="1583204"/>
+            <a:ext cx="2607009" cy="1655803"/>
           </a:xfrm>
           <a:prstGeom prst="roundRect">
             <a:avLst/>
@@ -12493,8 +12681,8 @@
         </p:nvSpPr>
         <p:spPr>
           <a:xfrm>
-            <a:off x="4248736" y="3936475"/>
-            <a:ext cx="2893118" cy="1859697"/>
+            <a:off x="750055" y="5103138"/>
+            <a:ext cx="2607009" cy="1655803"/>
           </a:xfrm>
           <a:prstGeom prst="roundRect">
             <a:avLst/>
@@ -12545,8 +12733,8 @@
         </p:nvSpPr>
         <p:spPr>
           <a:xfrm>
-            <a:off x="752527" y="3936475"/>
-            <a:ext cx="2893118" cy="1859697"/>
+            <a:off x="750055" y="3343171"/>
+            <a:ext cx="2607009" cy="1655803"/>
           </a:xfrm>
           <a:prstGeom prst="roundRect">
             <a:avLst/>
@@ -12651,6 +12839,16 @@
               <a:defRPr/>
             </a:pPr>
             <a:r>
+              <a:rPr lang="en-US" altLang="ko-KR" sz="2800" dirty="0">
+                <a:solidFill>
+                  <a:prstClr val="black"/>
+                </a:solidFill>
+                <a:latin typeface="맑은 고딕" panose="020B0503020000020004" pitchFamily="50" charset="-127"/>
+                <a:ea typeface="맑은 고딕" panose="020B0503020000020004" pitchFamily="50" charset="-127"/>
+              </a:rPr>
+              <a:t>6</a:t>
+            </a:r>
+            <a:r>
               <a:rPr kumimoji="0" lang="en-US" altLang="ko-KR" sz="2800" b="0" i="0" u="none" strike="noStrike" kern="1200" cap="none" spc="0" normalizeH="0" baseline="0" noProof="0" dirty="0">
                 <a:ln>
                   <a:noFill/>
@@ -12665,7 +12863,7 @@
                 <a:ea typeface="맑은 고딕" panose="020B0503020000020004" pitchFamily="50" charset="-127"/>
                 <a:cs typeface="+mj-cs"/>
               </a:rPr>
-              <a:t>7. </a:t>
+              <a:t>. </a:t>
             </a:r>
             <a:r>
               <a:rPr lang="ko-KR" altLang="en-US" sz="2800" dirty="0" err="1">
@@ -12676,6 +12874,36 @@
                 <a:ea typeface="맑은 고딕" panose="020B0503020000020004" pitchFamily="50" charset="-127"/>
               </a:rPr>
               <a:t>기술스택</a:t>
+            </a:r>
+            <a:r>
+              <a:rPr lang="ko-KR" altLang="en-US" sz="2800" dirty="0">
+                <a:solidFill>
+                  <a:prstClr val="black"/>
+                </a:solidFill>
+                <a:latin typeface="맑은 고딕" panose="020B0503020000020004" pitchFamily="50" charset="-127"/>
+                <a:ea typeface="맑은 고딕" panose="020B0503020000020004" pitchFamily="50" charset="-127"/>
+              </a:rPr>
+              <a:t> </a:t>
+            </a:r>
+            <a:r>
+              <a:rPr lang="en-US" altLang="ko-KR" sz="2800" dirty="0">
+                <a:solidFill>
+                  <a:prstClr val="black"/>
+                </a:solidFill>
+                <a:latin typeface="맑은 고딕" panose="020B0503020000020004" pitchFamily="50" charset="-127"/>
+                <a:ea typeface="맑은 고딕" panose="020B0503020000020004" pitchFamily="50" charset="-127"/>
+              </a:rPr>
+              <a:t>/ </a:t>
+            </a:r>
+            <a:r>
+              <a:rPr lang="ko-KR" altLang="en-US" sz="2800" dirty="0">
+                <a:solidFill>
+                  <a:prstClr val="black"/>
+                </a:solidFill>
+                <a:latin typeface="맑은 고딕" panose="020B0503020000020004" pitchFamily="50" charset="-127"/>
+                <a:ea typeface="맑은 고딕" panose="020B0503020000020004" pitchFamily="50" charset="-127"/>
+              </a:rPr>
+              <a:t>협력도구</a:t>
             </a:r>
             <a:endParaRPr kumimoji="0" lang="ko-KR" altLang="en-US" sz="2800" b="0" i="0" u="none" strike="noStrike" kern="1200" cap="none" spc="0" normalizeH="0" baseline="0" noProof="0" dirty="0">
               <a:ln>
@@ -12783,7 +13011,7 @@
                 <a:latin typeface="맑은 고딕" panose="020F0502020204030204"/>
                 <a:ea typeface="맑은 고딕" panose="020B0503020000020004" pitchFamily="50" charset="-127"/>
               </a:rPr>
-              <a:t>4</a:t>
+              <a:t>8</a:t>
             </a:r>
             <a:endParaRPr kumimoji="0" lang="ko-KR" altLang="en-US" sz="1800" b="0" i="0" u="none" strike="noStrike" kern="1200" cap="none" spc="0" normalizeH="0" baseline="0" noProof="0" dirty="0">
               <a:ln>
@@ -12830,8 +13058,8 @@
         </p:blipFill>
         <p:spPr>
           <a:xfrm>
-            <a:off x="4399069" y="4032392"/>
-            <a:ext cx="627835" cy="627835"/>
+            <a:off x="917692" y="3538132"/>
+            <a:ext cx="540000" cy="540000"/>
           </a:xfrm>
           <a:prstGeom prst="rect">
             <a:avLst/>
@@ -12866,8 +13094,8 @@
         </p:blipFill>
         <p:spPr>
           <a:xfrm>
-            <a:off x="5233900" y="4198832"/>
-            <a:ext cx="461395" cy="461395"/>
+            <a:off x="1786695" y="3543594"/>
+            <a:ext cx="540000" cy="540000"/>
           </a:xfrm>
           <a:prstGeom prst="rect">
             <a:avLst/>
@@ -12902,8 +13130,8 @@
         </p:blipFill>
         <p:spPr>
           <a:xfrm>
-            <a:off x="1043242" y="4720647"/>
-            <a:ext cx="404205" cy="404205"/>
+            <a:off x="978450" y="2520968"/>
+            <a:ext cx="540000" cy="540000"/>
           </a:xfrm>
           <a:prstGeom prst="rect">
             <a:avLst/>
@@ -12938,8 +13166,8 @@
         </p:blipFill>
         <p:spPr>
           <a:xfrm>
-            <a:off x="10175674" y="4108167"/>
-            <a:ext cx="633060" cy="633060"/>
+            <a:off x="2692733" y="5338138"/>
+            <a:ext cx="540000" cy="540000"/>
           </a:xfrm>
           <a:prstGeom prst="rect">
             <a:avLst/>
@@ -12974,8 +13202,8 @@
         </p:blipFill>
         <p:spPr>
           <a:xfrm>
-            <a:off x="5233900" y="5039641"/>
-            <a:ext cx="490447" cy="490447"/>
+            <a:off x="917692" y="4315732"/>
+            <a:ext cx="540000" cy="540000"/>
           </a:xfrm>
           <a:prstGeom prst="rect">
             <a:avLst/>
@@ -13010,8 +13238,8 @@
         </p:blipFill>
         <p:spPr>
           <a:xfrm>
-            <a:off x="10071372" y="4802790"/>
-            <a:ext cx="815249" cy="815249"/>
+            <a:off x="2692733" y="6122099"/>
+            <a:ext cx="540000" cy="540000"/>
           </a:xfrm>
           <a:prstGeom prst="rect">
             <a:avLst/>
@@ -13046,8 +13274,8 @@
         </p:blipFill>
         <p:spPr>
           <a:xfrm>
-            <a:off x="9549296" y="4672755"/>
-            <a:ext cx="545422" cy="545422"/>
+            <a:off x="1783560" y="6159226"/>
+            <a:ext cx="540000" cy="540000"/>
           </a:xfrm>
           <a:prstGeom prst="rect">
             <a:avLst/>
@@ -13082,8 +13310,8 @@
         </p:blipFill>
         <p:spPr>
           <a:xfrm>
-            <a:off x="1738162" y="4694658"/>
-            <a:ext cx="648392" cy="648392"/>
+            <a:off x="2624971" y="1801848"/>
+            <a:ext cx="540000" cy="540000"/>
           </a:xfrm>
           <a:prstGeom prst="rect">
             <a:avLst/>
@@ -13118,8 +13346,8 @@
         </p:blipFill>
         <p:spPr>
           <a:xfrm>
-            <a:off x="1447447" y="4187109"/>
-            <a:ext cx="300666" cy="300666"/>
+            <a:off x="1791070" y="1810813"/>
+            <a:ext cx="540000" cy="540000"/>
           </a:xfrm>
           <a:prstGeom prst="rect">
             <a:avLst/>
@@ -13154,8 +13382,8 @@
         </p:blipFill>
         <p:spPr>
           <a:xfrm>
-            <a:off x="8563117" y="4680565"/>
-            <a:ext cx="905341" cy="905341"/>
+            <a:off x="840672" y="6122099"/>
+            <a:ext cx="540000" cy="540000"/>
           </a:xfrm>
           <a:prstGeom prst="rect">
             <a:avLst/>
@@ -13190,8 +13418,8 @@
         </p:blipFill>
         <p:spPr>
           <a:xfrm>
-            <a:off x="8489311" y="4050196"/>
-            <a:ext cx="597305" cy="597305"/>
+            <a:off x="840672" y="5338138"/>
+            <a:ext cx="540000" cy="540000"/>
           </a:xfrm>
           <a:prstGeom prst="rect">
             <a:avLst/>
@@ -13226,8 +13454,8 @@
         </p:blipFill>
         <p:spPr>
           <a:xfrm>
-            <a:off x="9374256" y="4108167"/>
-            <a:ext cx="461395" cy="461395"/>
+            <a:off x="1783560" y="5338138"/>
+            <a:ext cx="540000" cy="540000"/>
           </a:xfrm>
           <a:prstGeom prst="rect">
             <a:avLst/>
@@ -13262,8 +13490,8 @@
         </p:blipFill>
         <p:spPr>
           <a:xfrm>
-            <a:off x="4533641" y="5059721"/>
-            <a:ext cx="472457" cy="472457"/>
+            <a:off x="2655698" y="3538132"/>
+            <a:ext cx="540000" cy="540000"/>
           </a:xfrm>
           <a:prstGeom prst="rect">
             <a:avLst/>
@@ -13298,14 +13526,630 @@
         </p:blipFill>
         <p:spPr>
           <a:xfrm>
-            <a:off x="939688" y="4187109"/>
-            <a:ext cx="325833" cy="325833"/>
+            <a:off x="978450" y="1810813"/>
+            <a:ext cx="540000" cy="540000"/>
           </a:xfrm>
           <a:prstGeom prst="rect">
             <a:avLst/>
           </a:prstGeom>
         </p:spPr>
       </p:pic>
+      <p:sp>
+        <p:nvSpPr>
+          <p:cNvPr id="5" name="TextBox 4">
+            <a:extLst>
+              <a:ext uri="{FF2B5EF4-FFF2-40B4-BE49-F238E27FC236}">
+                <a16:creationId xmlns:a16="http://schemas.microsoft.com/office/drawing/2014/main" id="{F0567A77-6838-47D6-A49E-267269371B98}"/>
+              </a:ext>
+            </a:extLst>
+          </p:cNvPr>
+          <p:cNvSpPr txBox="1"/>
+          <p:nvPr/>
+        </p:nvSpPr>
+        <p:spPr>
+          <a:xfrm>
+            <a:off x="326755" y="1826329"/>
+            <a:ext cx="327333" cy="1169551"/>
+          </a:xfrm>
+          <a:prstGeom prst="rect">
+            <a:avLst/>
+          </a:prstGeom>
+          <a:noFill/>
+        </p:spPr>
+        <p:txBody>
+          <a:bodyPr wrap="none" rtlCol="0">
+            <a:spAutoFit/>
+          </a:bodyPr>
+          <a:lstStyle/>
+          <a:p>
+            <a:pPr algn="ctr"/>
+            <a:r>
+              <a:rPr lang="en-US" altLang="ko-KR" sz="1400" b="1" dirty="0">
+                <a:solidFill>
+                  <a:schemeClr val="bg1"/>
+                </a:solidFill>
+              </a:rPr>
+              <a:t>F</a:t>
+            </a:r>
+          </a:p>
+          <a:p>
+            <a:pPr algn="ctr"/>
+            <a:r>
+              <a:rPr lang="en-US" altLang="ko-KR" sz="1400" b="1" dirty="0">
+                <a:solidFill>
+                  <a:schemeClr val="bg1"/>
+                </a:solidFill>
+              </a:rPr>
+              <a:t>R</a:t>
+            </a:r>
+          </a:p>
+          <a:p>
+            <a:pPr algn="ctr"/>
+            <a:r>
+              <a:rPr lang="en-US" altLang="ko-KR" sz="1400" b="1" dirty="0">
+                <a:solidFill>
+                  <a:schemeClr val="bg1"/>
+                </a:solidFill>
+              </a:rPr>
+              <a:t>O</a:t>
+            </a:r>
+          </a:p>
+          <a:p>
+            <a:pPr algn="ctr"/>
+            <a:r>
+              <a:rPr lang="en-US" altLang="ko-KR" sz="1400" b="1" dirty="0">
+                <a:solidFill>
+                  <a:schemeClr val="bg1"/>
+                </a:solidFill>
+              </a:rPr>
+              <a:t>N</a:t>
+            </a:r>
+          </a:p>
+          <a:p>
+            <a:pPr algn="ctr"/>
+            <a:r>
+              <a:rPr lang="en-US" altLang="ko-KR" sz="1400" b="1" dirty="0">
+                <a:solidFill>
+                  <a:schemeClr val="bg1"/>
+                </a:solidFill>
+              </a:rPr>
+              <a:t>T</a:t>
+            </a:r>
+            <a:endParaRPr lang="ko-KR" altLang="en-US" sz="1400" b="1" dirty="0">
+              <a:solidFill>
+                <a:schemeClr val="bg1"/>
+              </a:solidFill>
+            </a:endParaRPr>
+          </a:p>
+        </p:txBody>
+      </p:sp>
+      <p:sp>
+        <p:nvSpPr>
+          <p:cNvPr id="25" name="TextBox 24">
+            <a:extLst>
+              <a:ext uri="{FF2B5EF4-FFF2-40B4-BE49-F238E27FC236}">
+                <a16:creationId xmlns:a16="http://schemas.microsoft.com/office/drawing/2014/main" id="{C39E934D-7089-4D13-A018-4F758BF9480D}"/>
+              </a:ext>
+            </a:extLst>
+          </p:cNvPr>
+          <p:cNvSpPr txBox="1"/>
+          <p:nvPr/>
+        </p:nvSpPr>
+        <p:spPr>
+          <a:xfrm>
+            <a:off x="339851" y="3731551"/>
+            <a:ext cx="311303" cy="954107"/>
+          </a:xfrm>
+          <a:prstGeom prst="rect">
+            <a:avLst/>
+          </a:prstGeom>
+          <a:noFill/>
+        </p:spPr>
+        <p:txBody>
+          <a:bodyPr wrap="none" rtlCol="0">
+            <a:spAutoFit/>
+          </a:bodyPr>
+          <a:lstStyle/>
+          <a:p>
+            <a:pPr algn="ctr"/>
+            <a:r>
+              <a:rPr lang="en-US" altLang="ko-KR" sz="1400" b="1" dirty="0">
+                <a:solidFill>
+                  <a:schemeClr val="bg1"/>
+                </a:solidFill>
+              </a:rPr>
+              <a:t>B</a:t>
+            </a:r>
+          </a:p>
+          <a:p>
+            <a:pPr algn="ctr"/>
+            <a:r>
+              <a:rPr lang="en-US" altLang="ko-KR" sz="1400" b="1" dirty="0">
+                <a:solidFill>
+                  <a:schemeClr val="bg1"/>
+                </a:solidFill>
+              </a:rPr>
+              <a:t>A</a:t>
+            </a:r>
+          </a:p>
+          <a:p>
+            <a:pPr algn="ctr"/>
+            <a:r>
+              <a:rPr lang="en-US" altLang="ko-KR" sz="1400" b="1" dirty="0">
+                <a:solidFill>
+                  <a:schemeClr val="bg1"/>
+                </a:solidFill>
+              </a:rPr>
+              <a:t>C</a:t>
+            </a:r>
+          </a:p>
+          <a:p>
+            <a:pPr algn="ctr"/>
+            <a:r>
+              <a:rPr lang="en-US" altLang="ko-KR" sz="1400" b="1" dirty="0">
+                <a:solidFill>
+                  <a:schemeClr val="bg1"/>
+                </a:solidFill>
+              </a:rPr>
+              <a:t>K</a:t>
+            </a:r>
+            <a:endParaRPr lang="ko-KR" altLang="en-US" sz="1400" b="1" dirty="0">
+              <a:solidFill>
+                <a:schemeClr val="bg1"/>
+              </a:solidFill>
+            </a:endParaRPr>
+          </a:p>
+        </p:txBody>
+      </p:sp>
+      <p:sp>
+        <p:nvSpPr>
+          <p:cNvPr id="27" name="TextBox 26">
+            <a:extLst>
+              <a:ext uri="{FF2B5EF4-FFF2-40B4-BE49-F238E27FC236}">
+                <a16:creationId xmlns:a16="http://schemas.microsoft.com/office/drawing/2014/main" id="{55A9077E-5AE7-426B-A782-020F2BAB16F2}"/>
+              </a:ext>
+            </a:extLst>
+          </p:cNvPr>
+          <p:cNvSpPr txBox="1"/>
+          <p:nvPr/>
+        </p:nvSpPr>
+        <p:spPr>
+          <a:xfrm>
+            <a:off x="334181" y="5304786"/>
+            <a:ext cx="324128" cy="1169551"/>
+          </a:xfrm>
+          <a:prstGeom prst="rect">
+            <a:avLst/>
+          </a:prstGeom>
+          <a:noFill/>
+        </p:spPr>
+        <p:txBody>
+          <a:bodyPr wrap="none" rtlCol="0">
+            <a:spAutoFit/>
+          </a:bodyPr>
+          <a:lstStyle/>
+          <a:p>
+            <a:pPr algn="ctr"/>
+            <a:r>
+              <a:rPr lang="en-US" altLang="ko-KR" sz="1400" b="1" dirty="0">
+                <a:solidFill>
+                  <a:schemeClr val="bg1"/>
+                </a:solidFill>
+              </a:rPr>
+              <a:t>O</a:t>
+            </a:r>
+          </a:p>
+          <a:p>
+            <a:pPr algn="ctr"/>
+            <a:r>
+              <a:rPr lang="en-US" altLang="ko-KR" sz="1400" b="1" dirty="0">
+                <a:solidFill>
+                  <a:schemeClr val="bg1"/>
+                </a:solidFill>
+              </a:rPr>
+              <a:t>T</a:t>
+            </a:r>
+          </a:p>
+          <a:p>
+            <a:pPr algn="ctr"/>
+            <a:r>
+              <a:rPr lang="en-US" altLang="ko-KR" sz="1400" b="1" dirty="0">
+                <a:solidFill>
+                  <a:schemeClr val="bg1"/>
+                </a:solidFill>
+              </a:rPr>
+              <a:t>H</a:t>
+            </a:r>
+          </a:p>
+          <a:p>
+            <a:pPr algn="ctr"/>
+            <a:r>
+              <a:rPr lang="en-US" altLang="ko-KR" sz="1400" b="1" dirty="0">
+                <a:solidFill>
+                  <a:schemeClr val="bg1"/>
+                </a:solidFill>
+              </a:rPr>
+              <a:t>E</a:t>
+            </a:r>
+          </a:p>
+          <a:p>
+            <a:pPr algn="ctr"/>
+            <a:r>
+              <a:rPr lang="en-US" altLang="ko-KR" sz="1400" b="1" dirty="0">
+                <a:solidFill>
+                  <a:schemeClr val="bg1"/>
+                </a:solidFill>
+              </a:rPr>
+              <a:t>R</a:t>
+            </a:r>
+            <a:endParaRPr lang="ko-KR" altLang="en-US" sz="1400" b="1" dirty="0">
+              <a:solidFill>
+                <a:schemeClr val="bg1"/>
+              </a:solidFill>
+            </a:endParaRPr>
+          </a:p>
+        </p:txBody>
+      </p:sp>
+      <p:pic>
+        <p:nvPicPr>
+          <p:cNvPr id="29" name="그림 28">
+            <a:extLst>
+              <a:ext uri="{FF2B5EF4-FFF2-40B4-BE49-F238E27FC236}">
+                <a16:creationId xmlns:a16="http://schemas.microsoft.com/office/drawing/2014/main" id="{50FA4D3D-2C0C-4CEB-AC72-F32CAD752C56}"/>
+              </a:ext>
+            </a:extLst>
+          </p:cNvPr>
+          <p:cNvPicPr>
+            <a:picLocks noChangeAspect="1"/>
+          </p:cNvPicPr>
+          <p:nvPr/>
+        </p:nvPicPr>
+        <p:blipFill>
+          <a:blip r:embed="rId17"/>
+          <a:stretch>
+            <a:fillRect/>
+          </a:stretch>
+        </p:blipFill>
+        <p:spPr>
+          <a:xfrm>
+            <a:off x="4246927" y="2072824"/>
+            <a:ext cx="3249986" cy="2507685"/>
+          </a:xfrm>
+          <a:prstGeom prst="rect">
+            <a:avLst/>
+          </a:prstGeom>
+        </p:spPr>
+      </p:pic>
+      <p:sp>
+        <p:nvSpPr>
+          <p:cNvPr id="31" name="TextBox 30">
+            <a:extLst>
+              <a:ext uri="{FF2B5EF4-FFF2-40B4-BE49-F238E27FC236}">
+                <a16:creationId xmlns:a16="http://schemas.microsoft.com/office/drawing/2014/main" id="{4973E02B-54BE-4B11-8401-25A69F389E3C}"/>
+              </a:ext>
+            </a:extLst>
+          </p:cNvPr>
+          <p:cNvSpPr txBox="1"/>
+          <p:nvPr/>
+        </p:nvSpPr>
+        <p:spPr>
+          <a:xfrm>
+            <a:off x="4303521" y="1643131"/>
+            <a:ext cx="928459" cy="369332"/>
+          </a:xfrm>
+          <a:prstGeom prst="rect">
+            <a:avLst/>
+          </a:prstGeom>
+          <a:noFill/>
+        </p:spPr>
+        <p:txBody>
+          <a:bodyPr wrap="none" rtlCol="0">
+            <a:spAutoFit/>
+          </a:bodyPr>
+          <a:lstStyle/>
+          <a:p>
+            <a:r>
+              <a:rPr lang="en-US" altLang="ko-KR" b="1" dirty="0" err="1">
+                <a:solidFill>
+                  <a:schemeClr val="bg1"/>
+                </a:solidFill>
+              </a:rPr>
+              <a:t>Github</a:t>
+            </a:r>
+            <a:endParaRPr lang="ko-KR" altLang="en-US" b="1" dirty="0">
+              <a:solidFill>
+                <a:schemeClr val="bg1"/>
+              </a:solidFill>
+            </a:endParaRPr>
+          </a:p>
+        </p:txBody>
+      </p:sp>
+      <p:pic>
+        <p:nvPicPr>
+          <p:cNvPr id="33" name="그림 32">
+            <a:extLst>
+              <a:ext uri="{FF2B5EF4-FFF2-40B4-BE49-F238E27FC236}">
+                <a16:creationId xmlns:a16="http://schemas.microsoft.com/office/drawing/2014/main" id="{4BC00CF5-84D3-4FF6-8B78-893E426C4BD7}"/>
+              </a:ext>
+            </a:extLst>
+          </p:cNvPr>
+          <p:cNvPicPr>
+            <a:picLocks noChangeAspect="1"/>
+          </p:cNvPicPr>
+          <p:nvPr/>
+        </p:nvPicPr>
+        <p:blipFill rotWithShape="1">
+          <a:blip r:embed="rId18"/>
+          <a:srcRect l="395" r="395"/>
+          <a:stretch/>
+        </p:blipFill>
+        <p:spPr>
+          <a:xfrm>
+            <a:off x="8303094" y="2074166"/>
+            <a:ext cx="2988082" cy="2488529"/>
+          </a:xfrm>
+          <a:prstGeom prst="rect">
+            <a:avLst/>
+          </a:prstGeom>
+        </p:spPr>
+      </p:pic>
+      <p:pic>
+        <p:nvPicPr>
+          <p:cNvPr id="35" name="그림 34">
+            <a:extLst>
+              <a:ext uri="{FF2B5EF4-FFF2-40B4-BE49-F238E27FC236}">
+                <a16:creationId xmlns:a16="http://schemas.microsoft.com/office/drawing/2014/main" id="{D24BFBA8-8E3A-4895-845C-5D4466B55676}"/>
+              </a:ext>
+            </a:extLst>
+          </p:cNvPr>
+          <p:cNvPicPr>
+            <a:picLocks noChangeAspect="1"/>
+          </p:cNvPicPr>
+          <p:nvPr/>
+        </p:nvPicPr>
+        <p:blipFill>
+          <a:blip r:embed="rId19"/>
+          <a:stretch>
+            <a:fillRect/>
+          </a:stretch>
+        </p:blipFill>
+        <p:spPr>
+          <a:xfrm>
+            <a:off x="9154498" y="4192769"/>
+            <a:ext cx="2651634" cy="2196840"/>
+          </a:xfrm>
+          <a:prstGeom prst="rect">
+            <a:avLst/>
+          </a:prstGeom>
+        </p:spPr>
+      </p:pic>
+      <p:sp>
+        <p:nvSpPr>
+          <p:cNvPr id="37" name="TextBox 36">
+            <a:extLst>
+              <a:ext uri="{FF2B5EF4-FFF2-40B4-BE49-F238E27FC236}">
+                <a16:creationId xmlns:a16="http://schemas.microsoft.com/office/drawing/2014/main" id="{642CEA88-DFBF-4515-8CFB-E7B9097DC1EB}"/>
+              </a:ext>
+            </a:extLst>
+          </p:cNvPr>
+          <p:cNvSpPr txBox="1"/>
+          <p:nvPr/>
+        </p:nvSpPr>
+        <p:spPr>
+          <a:xfrm>
+            <a:off x="8368044" y="1643131"/>
+            <a:ext cx="947695" cy="369332"/>
+          </a:xfrm>
+          <a:prstGeom prst="rect">
+            <a:avLst/>
+          </a:prstGeom>
+          <a:noFill/>
+        </p:spPr>
+        <p:txBody>
+          <a:bodyPr wrap="none" rtlCol="0">
+            <a:spAutoFit/>
+          </a:bodyPr>
+          <a:lstStyle/>
+          <a:p>
+            <a:r>
+              <a:rPr lang="en-US" altLang="ko-KR" b="1" dirty="0">
+                <a:solidFill>
+                  <a:schemeClr val="bg1"/>
+                </a:solidFill>
+              </a:rPr>
+              <a:t>Notion</a:t>
+            </a:r>
+            <a:endParaRPr lang="ko-KR" altLang="en-US" b="1" dirty="0">
+              <a:solidFill>
+                <a:schemeClr val="bg1"/>
+              </a:solidFill>
+            </a:endParaRPr>
+          </a:p>
+        </p:txBody>
+      </p:sp>
+      <p:sp>
+        <p:nvSpPr>
+          <p:cNvPr id="6" name="TextBox 5">
+            <a:extLst>
+              <a:ext uri="{FF2B5EF4-FFF2-40B4-BE49-F238E27FC236}">
+                <a16:creationId xmlns:a16="http://schemas.microsoft.com/office/drawing/2014/main" id="{55B80426-7E51-44BB-A51D-47C59246100E}"/>
+              </a:ext>
+            </a:extLst>
+          </p:cNvPr>
+          <p:cNvSpPr txBox="1"/>
+          <p:nvPr/>
+        </p:nvSpPr>
+        <p:spPr>
+          <a:xfrm>
+            <a:off x="4303521" y="4547873"/>
+            <a:ext cx="1218603" cy="1066382"/>
+          </a:xfrm>
+          <a:prstGeom prst="rect">
+            <a:avLst/>
+          </a:prstGeom>
+          <a:noFill/>
+        </p:spPr>
+        <p:txBody>
+          <a:bodyPr wrap="none" rtlCol="0">
+            <a:spAutoFit/>
+          </a:bodyPr>
+          <a:lstStyle/>
+          <a:p>
+            <a:pPr>
+              <a:lnSpc>
+                <a:spcPct val="150000"/>
+              </a:lnSpc>
+            </a:pPr>
+            <a:r>
+              <a:rPr lang="en-US" altLang="ko-KR" sz="1400" dirty="0">
+                <a:solidFill>
+                  <a:schemeClr val="bg1"/>
+                </a:solidFill>
+              </a:rPr>
+              <a:t>-</a:t>
+            </a:r>
+            <a:r>
+              <a:rPr lang="en-US" altLang="ko-KR" sz="1600" dirty="0">
+                <a:solidFill>
+                  <a:schemeClr val="bg1"/>
+                </a:solidFill>
+              </a:rPr>
+              <a:t> </a:t>
+            </a:r>
+            <a:r>
+              <a:rPr lang="en-US" altLang="ko-KR" sz="1400" dirty="0">
+                <a:solidFill>
+                  <a:schemeClr val="bg1"/>
+                </a:solidFill>
+              </a:rPr>
+              <a:t>Main</a:t>
+            </a:r>
+          </a:p>
+          <a:p>
+            <a:pPr>
+              <a:lnSpc>
+                <a:spcPct val="150000"/>
+              </a:lnSpc>
+            </a:pPr>
+            <a:r>
+              <a:rPr lang="en-US" altLang="ko-KR" sz="1400" dirty="0">
+                <a:solidFill>
+                  <a:schemeClr val="bg1"/>
+                </a:solidFill>
+              </a:rPr>
+              <a:t>- Dev</a:t>
+            </a:r>
+          </a:p>
+          <a:p>
+            <a:pPr>
+              <a:lnSpc>
+                <a:spcPct val="150000"/>
+              </a:lnSpc>
+            </a:pPr>
+            <a:r>
+              <a:rPr lang="en-US" altLang="ko-KR" sz="1400" dirty="0">
+                <a:solidFill>
+                  <a:schemeClr val="bg1"/>
+                </a:solidFill>
+              </a:rPr>
+              <a:t>- </a:t>
+            </a:r>
+            <a:r>
+              <a:rPr lang="ko-KR" altLang="en-US" sz="1400" dirty="0" err="1">
+                <a:solidFill>
+                  <a:schemeClr val="bg1"/>
+                </a:solidFill>
+              </a:rPr>
+              <a:t>개인브랜치</a:t>
+            </a:r>
+            <a:endParaRPr lang="ko-KR" altLang="en-US" sz="1400" dirty="0">
+              <a:solidFill>
+                <a:schemeClr val="bg1"/>
+              </a:solidFill>
+            </a:endParaRPr>
+          </a:p>
+        </p:txBody>
+      </p:sp>
+      <p:pic>
+        <p:nvPicPr>
+          <p:cNvPr id="8" name="그림 7">
+            <a:extLst>
+              <a:ext uri="{FF2B5EF4-FFF2-40B4-BE49-F238E27FC236}">
+                <a16:creationId xmlns:a16="http://schemas.microsoft.com/office/drawing/2014/main" id="{1BAB3F89-15EE-4A60-B9AC-491B01A81728}"/>
+              </a:ext>
+            </a:extLst>
+          </p:cNvPr>
+          <p:cNvPicPr>
+            <a:picLocks noChangeAspect="1"/>
+          </p:cNvPicPr>
+          <p:nvPr/>
+        </p:nvPicPr>
+        <p:blipFill>
+          <a:blip r:embed="rId20">
+            <a:extLst>
+              <a:ext uri="{28A0092B-C50C-407E-A947-70E740481C1C}">
+                <a14:useLocalDpi xmlns:a14="http://schemas.microsoft.com/office/drawing/2010/main" val="0"/>
+              </a:ext>
+            </a:extLst>
+          </a:blip>
+          <a:stretch>
+            <a:fillRect/>
+          </a:stretch>
+        </p:blipFill>
+        <p:spPr>
+          <a:xfrm>
+            <a:off x="6349145" y="3359624"/>
+            <a:ext cx="1652637" cy="3036143"/>
+          </a:xfrm>
+          <a:prstGeom prst="rect">
+            <a:avLst/>
+          </a:prstGeom>
+        </p:spPr>
+      </p:pic>
+      <p:sp>
+        <p:nvSpPr>
+          <p:cNvPr id="40" name="TextBox 39">
+            <a:extLst>
+              <a:ext uri="{FF2B5EF4-FFF2-40B4-BE49-F238E27FC236}">
+                <a16:creationId xmlns:a16="http://schemas.microsoft.com/office/drawing/2014/main" id="{CABB750F-0F25-49C0-B675-AFF046688EF8}"/>
+              </a:ext>
+            </a:extLst>
+          </p:cNvPr>
+          <p:cNvSpPr txBox="1"/>
+          <p:nvPr/>
+        </p:nvSpPr>
+        <p:spPr>
+          <a:xfrm>
+            <a:off x="7060950" y="6389551"/>
+            <a:ext cx="1285032" cy="369332"/>
+          </a:xfrm>
+          <a:prstGeom prst="rect">
+            <a:avLst/>
+          </a:prstGeom>
+          <a:noFill/>
+        </p:spPr>
+        <p:txBody>
+          <a:bodyPr wrap="none" rtlCol="0">
+            <a:spAutoFit/>
+          </a:bodyPr>
+          <a:lstStyle/>
+          <a:p>
+            <a:r>
+              <a:rPr lang="en-US" altLang="ko-KR" b="1" dirty="0" err="1">
+                <a:solidFill>
+                  <a:schemeClr val="bg1"/>
+                </a:solidFill>
+              </a:rPr>
+              <a:t>KakaoTalk</a:t>
+            </a:r>
+            <a:endParaRPr lang="ko-KR" altLang="en-US" b="1" dirty="0">
+              <a:solidFill>
+                <a:schemeClr val="bg1"/>
+              </a:solidFill>
+            </a:endParaRPr>
+          </a:p>
+        </p:txBody>
+      </p:sp>
     </p:spTree>
     <p:extLst>
       <p:ext uri="{BB962C8B-B14F-4D97-AF65-F5344CB8AC3E}">
@@ -13418,6 +14262,16 @@
               <a:defRPr/>
             </a:pPr>
             <a:r>
+              <a:rPr lang="en-US" altLang="ko-KR" sz="2800" dirty="0">
+                <a:solidFill>
+                  <a:prstClr val="black"/>
+                </a:solidFill>
+                <a:latin typeface="맑은 고딕" panose="020B0503020000020004" pitchFamily="50" charset="-127"/>
+                <a:ea typeface="맑은 고딕" panose="020B0503020000020004" pitchFamily="50" charset="-127"/>
+              </a:rPr>
+              <a:t>7</a:t>
+            </a:r>
+            <a:r>
               <a:rPr kumimoji="0" lang="en-US" altLang="ko-KR" sz="2800" b="0" i="0" u="none" strike="noStrike" kern="1200" cap="none" spc="0" normalizeH="0" baseline="0" noProof="0" dirty="0">
                 <a:ln>
                   <a:noFill/>
@@ -13432,25 +14286,22 @@
                 <a:ea typeface="맑은 고딕" panose="020B0503020000020004" pitchFamily="50" charset="-127"/>
                 <a:cs typeface="+mj-cs"/>
               </a:rPr>
-              <a:t>8. </a:t>
-            </a:r>
-            <a:r>
-              <a:rPr kumimoji="0" lang="ko-KR" altLang="en-US" sz="2800" b="0" i="0" u="none" strike="noStrike" kern="1200" cap="none" spc="0" normalizeH="0" baseline="0" noProof="0" dirty="0">
-                <a:ln>
-                  <a:noFill/>
-                </a:ln>
-                <a:solidFill>
-                  <a:prstClr val="black"/>
-                </a:solidFill>
-                <a:effectLst/>
-                <a:uLnTx/>
-                <a:uFillTx/>
-                <a:latin typeface="맑은 고딕" panose="020B0503020000020004" pitchFamily="50" charset="-127"/>
-                <a:ea typeface="맑은 고딕" panose="020B0503020000020004" pitchFamily="50" charset="-127"/>
-                <a:cs typeface="+mj-cs"/>
-              </a:rPr>
-              <a:t>협력도구</a:t>
-            </a:r>
+              <a:t>. ERD</a:t>
+            </a:r>
+            <a:endParaRPr kumimoji="0" lang="ko-KR" altLang="en-US" sz="2800" b="0" i="0" u="none" strike="noStrike" kern="1200" cap="none" spc="0" normalizeH="0" baseline="0" noProof="0" dirty="0">
+              <a:ln>
+                <a:noFill/>
+              </a:ln>
+              <a:solidFill>
+                <a:prstClr val="black"/>
+              </a:solidFill>
+              <a:effectLst/>
+              <a:uLnTx/>
+              <a:uFillTx/>
+              <a:latin typeface="맑은 고딕" panose="020B0503020000020004" pitchFamily="50" charset="-127"/>
+              <a:ea typeface="맑은 고딕" panose="020B0503020000020004" pitchFamily="50" charset="-127"/>
+              <a:cs typeface="+mj-cs"/>
+            </a:endParaRPr>
           </a:p>
         </p:txBody>
       </p:sp>
@@ -13536,14 +14387,21 @@
               <a:defRPr/>
             </a:pPr>
             <a:r>
-              <a:rPr lang="en-US" altLang="ko-KR" dirty="0">
+              <a:rPr kumimoji="0" lang="en-US" altLang="ko-KR" sz="1800" b="0" i="0" u="none" strike="noStrike" kern="1200" cap="none" spc="0" normalizeH="0" baseline="0" noProof="0" dirty="0">
+                <a:ln>
+                  <a:noFill/>
+                </a:ln>
                 <a:solidFill>
                   <a:prstClr val="white"/>
                 </a:solidFill>
+                <a:effectLst/>
+                <a:uLnTx/>
+                <a:uFillTx/>
                 <a:latin typeface="맑은 고딕" panose="020F0502020204030204"/>
                 <a:ea typeface="맑은 고딕" panose="020B0503020000020004" pitchFamily="50" charset="-127"/>
-              </a:rPr>
-              <a:t>5</a:t>
+                <a:cs typeface="+mn-cs"/>
+              </a:rPr>
+              <a:t>9</a:t>
             </a:r>
             <a:endParaRPr kumimoji="0" lang="ko-KR" altLang="en-US" sz="1800" b="0" i="0" u="none" strike="noStrike" kern="1200" cap="none" spc="0" normalizeH="0" baseline="0" noProof="0" dirty="0">
               <a:ln>
@@ -13567,36 +14425,7 @@
           <p:cNvPr id="4" name="그림 3">
             <a:extLst>
               <a:ext uri="{FF2B5EF4-FFF2-40B4-BE49-F238E27FC236}">
-                <a16:creationId xmlns:a16="http://schemas.microsoft.com/office/drawing/2014/main" id="{A3C12E50-5978-4483-880D-8D9C6DB02427}"/>
-              </a:ext>
-            </a:extLst>
-          </p:cNvPr>
-          <p:cNvPicPr>
-            <a:picLocks noChangeAspect="1"/>
-          </p:cNvPicPr>
-          <p:nvPr/>
-        </p:nvPicPr>
-        <p:blipFill rotWithShape="1">
-          <a:blip r:embed="rId3"/>
-          <a:srcRect l="395" r="395"/>
-          <a:stretch/>
-        </p:blipFill>
-        <p:spPr>
-          <a:xfrm>
-            <a:off x="438717" y="1974533"/>
-            <a:ext cx="2988082" cy="2488529"/>
-          </a:xfrm>
-          <a:prstGeom prst="rect">
-            <a:avLst/>
-          </a:prstGeom>
-        </p:spPr>
-      </p:pic>
-      <p:pic>
-        <p:nvPicPr>
-          <p:cNvPr id="6" name="그림 5">
-            <a:extLst>
-              <a:ext uri="{FF2B5EF4-FFF2-40B4-BE49-F238E27FC236}">
-                <a16:creationId xmlns:a16="http://schemas.microsoft.com/office/drawing/2014/main" id="{726428A5-C5AD-47B0-8E8D-C65AFA7C6844}"/>
+                <a16:creationId xmlns:a16="http://schemas.microsoft.com/office/drawing/2014/main" id="{2C16C883-2F8A-4C2A-A739-6EAFF1AB3870}"/>
               </a:ext>
             </a:extLst>
           </p:cNvPr>
@@ -13606,25 +14435,375 @@
           <p:nvPr/>
         </p:nvPicPr>
         <p:blipFill>
-          <a:blip r:embed="rId4"/>
+          <a:blip r:embed="rId3"/>
           <a:stretch>
             <a:fillRect/>
           </a:stretch>
         </p:blipFill>
         <p:spPr>
           <a:xfrm>
-            <a:off x="1194872" y="4103094"/>
-            <a:ext cx="2651634" cy="2196840"/>
+            <a:off x="543233" y="1595276"/>
+            <a:ext cx="7720777" cy="5101671"/>
           </a:xfrm>
           <a:prstGeom prst="rect">
             <a:avLst/>
           </a:prstGeom>
         </p:spPr>
       </p:pic>
+      <p:sp>
+        <p:nvSpPr>
+          <p:cNvPr id="5" name="TextBox 4">
+            <a:extLst>
+              <a:ext uri="{FF2B5EF4-FFF2-40B4-BE49-F238E27FC236}">
+                <a16:creationId xmlns:a16="http://schemas.microsoft.com/office/drawing/2014/main" id="{D141B6D3-B05F-4FA0-9C13-714B00EFBC7C}"/>
+              </a:ext>
+            </a:extLst>
+          </p:cNvPr>
+          <p:cNvSpPr txBox="1"/>
+          <p:nvPr/>
+        </p:nvSpPr>
+        <p:spPr>
+          <a:xfrm>
+            <a:off x="9060964" y="1650844"/>
+            <a:ext cx="1819729" cy="4990533"/>
+          </a:xfrm>
+          <a:prstGeom prst="rect">
+            <a:avLst/>
+          </a:prstGeom>
+          <a:noFill/>
+        </p:spPr>
+        <p:txBody>
+          <a:bodyPr wrap="none" rtlCol="0">
+            <a:spAutoFit/>
+          </a:bodyPr>
+          <a:lstStyle/>
+          <a:p>
+            <a:pPr>
+              <a:lnSpc>
+                <a:spcPct val="150000"/>
+              </a:lnSpc>
+            </a:pPr>
+            <a:r>
+              <a:rPr lang="ko-KR" altLang="en-US" b="1" dirty="0">
+                <a:solidFill>
+                  <a:schemeClr val="bg1"/>
+                </a:solidFill>
+              </a:rPr>
+              <a:t>☆ </a:t>
+            </a:r>
+            <a:r>
+              <a:rPr lang="en-US" altLang="ko-KR" b="1" dirty="0">
+                <a:solidFill>
+                  <a:schemeClr val="bg1"/>
+                </a:solidFill>
+              </a:rPr>
+              <a:t>List</a:t>
+            </a:r>
+          </a:p>
+          <a:p>
+            <a:pPr marL="285750" indent="-285750">
+              <a:lnSpc>
+                <a:spcPct val="150000"/>
+              </a:lnSpc>
+              <a:buFontTx/>
+              <a:buChar char="-"/>
+            </a:pPr>
+            <a:r>
+              <a:rPr lang="en-US" altLang="ko-KR" sz="1400" dirty="0" err="1">
+                <a:solidFill>
+                  <a:schemeClr val="bg1"/>
+                </a:solidFill>
+              </a:rPr>
+              <a:t>user_info</a:t>
+            </a:r>
+            <a:endParaRPr lang="en-US" altLang="ko-KR" sz="1400" dirty="0">
+              <a:solidFill>
+                <a:schemeClr val="bg1"/>
+              </a:solidFill>
+            </a:endParaRPr>
+          </a:p>
+          <a:p>
+            <a:pPr marL="285750" indent="-285750">
+              <a:lnSpc>
+                <a:spcPct val="150000"/>
+              </a:lnSpc>
+              <a:buFontTx/>
+              <a:buChar char="-"/>
+            </a:pPr>
+            <a:r>
+              <a:rPr lang="en-US" altLang="ko-KR" sz="1400" dirty="0" err="1">
+                <a:solidFill>
+                  <a:schemeClr val="bg1"/>
+                </a:solidFill>
+              </a:rPr>
+              <a:t>funeral_palce</a:t>
+            </a:r>
+            <a:endParaRPr lang="en-US" altLang="ko-KR" sz="1400" dirty="0">
+              <a:solidFill>
+                <a:schemeClr val="bg1"/>
+              </a:solidFill>
+            </a:endParaRPr>
+          </a:p>
+          <a:p>
+            <a:pPr marL="285750" indent="-285750">
+              <a:lnSpc>
+                <a:spcPct val="150000"/>
+              </a:lnSpc>
+              <a:buFontTx/>
+              <a:buChar char="-"/>
+            </a:pPr>
+            <a:r>
+              <a:rPr lang="en-US" altLang="ko-KR" sz="1400" dirty="0" err="1">
+                <a:solidFill>
+                  <a:schemeClr val="bg1"/>
+                </a:solidFill>
+              </a:rPr>
+              <a:t>funeral_reserve</a:t>
+            </a:r>
+            <a:endParaRPr lang="en-US" altLang="ko-KR" sz="1400" dirty="0">
+              <a:solidFill>
+                <a:schemeClr val="bg1"/>
+              </a:solidFill>
+            </a:endParaRPr>
+          </a:p>
+          <a:p>
+            <a:pPr marL="285750" indent="-285750">
+              <a:lnSpc>
+                <a:spcPct val="150000"/>
+              </a:lnSpc>
+              <a:buFontTx/>
+              <a:buChar char="-"/>
+            </a:pPr>
+            <a:r>
+              <a:rPr lang="en-US" altLang="ko-KR" sz="1400" dirty="0" err="1">
+                <a:solidFill>
+                  <a:schemeClr val="bg1"/>
+                </a:solidFill>
+              </a:rPr>
+              <a:t>psy_reserve</a:t>
+            </a:r>
+            <a:endParaRPr lang="en-US" altLang="ko-KR" sz="1400" dirty="0">
+              <a:solidFill>
+                <a:schemeClr val="bg1"/>
+              </a:solidFill>
+            </a:endParaRPr>
+          </a:p>
+          <a:p>
+            <a:pPr marL="285750" indent="-285750">
+              <a:lnSpc>
+                <a:spcPct val="150000"/>
+              </a:lnSpc>
+              <a:buFontTx/>
+              <a:buChar char="-"/>
+            </a:pPr>
+            <a:r>
+              <a:rPr lang="en-US" altLang="ko-KR" sz="1400" dirty="0" err="1">
+                <a:solidFill>
+                  <a:schemeClr val="bg1"/>
+                </a:solidFill>
+              </a:rPr>
+              <a:t>goods_reserve</a:t>
+            </a:r>
+            <a:endParaRPr lang="en-US" altLang="ko-KR" sz="1400" dirty="0">
+              <a:solidFill>
+                <a:schemeClr val="bg1"/>
+              </a:solidFill>
+            </a:endParaRPr>
+          </a:p>
+          <a:p>
+            <a:pPr marL="285750" indent="-285750">
+              <a:lnSpc>
+                <a:spcPct val="150000"/>
+              </a:lnSpc>
+              <a:buFontTx/>
+              <a:buChar char="-"/>
+            </a:pPr>
+            <a:r>
+              <a:rPr lang="en-US" altLang="ko-KR" sz="1400" dirty="0" err="1">
+                <a:solidFill>
+                  <a:schemeClr val="bg1"/>
+                </a:solidFill>
+              </a:rPr>
+              <a:t>ourpage_reserve</a:t>
+            </a:r>
+            <a:endParaRPr lang="en-US" altLang="ko-KR" sz="1400" dirty="0">
+              <a:solidFill>
+                <a:schemeClr val="bg1"/>
+              </a:solidFill>
+            </a:endParaRPr>
+          </a:p>
+          <a:p>
+            <a:pPr marL="285750" indent="-285750">
+              <a:lnSpc>
+                <a:spcPct val="150000"/>
+              </a:lnSpc>
+              <a:buFontTx/>
+              <a:buChar char="-"/>
+            </a:pPr>
+            <a:r>
+              <a:rPr lang="en-US" altLang="ko-KR" sz="1400" dirty="0" err="1">
+                <a:solidFill>
+                  <a:schemeClr val="bg1"/>
+                </a:solidFill>
+              </a:rPr>
+              <a:t>community_post</a:t>
+            </a:r>
+            <a:endParaRPr lang="en-US" altLang="ko-KR" sz="1400" dirty="0">
+              <a:solidFill>
+                <a:schemeClr val="bg1"/>
+              </a:solidFill>
+            </a:endParaRPr>
+          </a:p>
+          <a:p>
+            <a:pPr marL="285750" indent="-285750">
+              <a:lnSpc>
+                <a:spcPct val="150000"/>
+              </a:lnSpc>
+              <a:buFontTx/>
+              <a:buChar char="-"/>
+            </a:pPr>
+            <a:r>
+              <a:rPr lang="en-US" altLang="ko-KR" sz="1400" dirty="0" err="1">
+                <a:solidFill>
+                  <a:schemeClr val="bg1"/>
+                </a:solidFill>
+              </a:rPr>
+              <a:t>post_like</a:t>
+            </a:r>
+            <a:endParaRPr lang="en-US" altLang="ko-KR" sz="1400" dirty="0">
+              <a:solidFill>
+                <a:schemeClr val="bg1"/>
+              </a:solidFill>
+            </a:endParaRPr>
+          </a:p>
+          <a:p>
+            <a:pPr marL="285750" indent="-285750">
+              <a:lnSpc>
+                <a:spcPct val="150000"/>
+              </a:lnSpc>
+              <a:buFontTx/>
+              <a:buChar char="-"/>
+            </a:pPr>
+            <a:r>
+              <a:rPr lang="en-US" altLang="ko-KR" sz="1400" dirty="0" err="1">
+                <a:solidFill>
+                  <a:schemeClr val="bg1"/>
+                </a:solidFill>
+              </a:rPr>
+              <a:t>post_comment</a:t>
+            </a:r>
+            <a:endParaRPr lang="en-US" altLang="ko-KR" sz="1400" dirty="0">
+              <a:solidFill>
+                <a:schemeClr val="bg1"/>
+              </a:solidFill>
+            </a:endParaRPr>
+          </a:p>
+          <a:p>
+            <a:pPr marL="285750" indent="-285750">
+              <a:lnSpc>
+                <a:spcPct val="150000"/>
+              </a:lnSpc>
+              <a:buFontTx/>
+              <a:buChar char="-"/>
+            </a:pPr>
+            <a:r>
+              <a:rPr lang="en-US" altLang="ko-KR" sz="1400" dirty="0">
+                <a:solidFill>
+                  <a:schemeClr val="bg1"/>
+                </a:solidFill>
+              </a:rPr>
+              <a:t>follow</a:t>
+            </a:r>
+          </a:p>
+          <a:p>
+            <a:pPr marL="285750" indent="-285750">
+              <a:lnSpc>
+                <a:spcPct val="150000"/>
+              </a:lnSpc>
+              <a:buFontTx/>
+              <a:buChar char="-"/>
+            </a:pPr>
+            <a:r>
+              <a:rPr lang="en-US" altLang="ko-KR" sz="1400" dirty="0">
+                <a:solidFill>
+                  <a:schemeClr val="bg1"/>
+                </a:solidFill>
+              </a:rPr>
+              <a:t>payments</a:t>
+            </a:r>
+          </a:p>
+          <a:p>
+            <a:pPr marL="285750" indent="-285750">
+              <a:lnSpc>
+                <a:spcPct val="150000"/>
+              </a:lnSpc>
+              <a:buFontTx/>
+              <a:buChar char="-"/>
+            </a:pPr>
+            <a:r>
+              <a:rPr lang="en-US" altLang="ko-KR" sz="1400" dirty="0" err="1">
+                <a:solidFill>
+                  <a:schemeClr val="bg1"/>
+                </a:solidFill>
+              </a:rPr>
+              <a:t>qna_board</a:t>
+            </a:r>
+            <a:endParaRPr lang="en-US" altLang="ko-KR" sz="1400" dirty="0">
+              <a:solidFill>
+                <a:schemeClr val="bg1"/>
+              </a:solidFill>
+            </a:endParaRPr>
+          </a:p>
+          <a:p>
+            <a:pPr marL="285750" indent="-285750">
+              <a:lnSpc>
+                <a:spcPct val="150000"/>
+              </a:lnSpc>
+              <a:buFontTx/>
+              <a:buChar char="-"/>
+            </a:pPr>
+            <a:r>
+              <a:rPr lang="en-US" altLang="ko-KR" sz="1400" dirty="0" err="1">
+                <a:solidFill>
+                  <a:schemeClr val="bg1"/>
+                </a:solidFill>
+              </a:rPr>
+              <a:t>qna_images</a:t>
+            </a:r>
+            <a:endParaRPr lang="en-US" altLang="ko-KR" sz="1400" dirty="0">
+              <a:solidFill>
+                <a:schemeClr val="bg1"/>
+              </a:solidFill>
+            </a:endParaRPr>
+          </a:p>
+          <a:p>
+            <a:pPr marL="285750" indent="-285750">
+              <a:lnSpc>
+                <a:spcPct val="150000"/>
+              </a:lnSpc>
+              <a:buFontTx/>
+              <a:buChar char="-"/>
+            </a:pPr>
+            <a:r>
+              <a:rPr lang="en-US" altLang="ko-KR" sz="1400" dirty="0" err="1">
+                <a:solidFill>
+                  <a:schemeClr val="bg1"/>
+                </a:solidFill>
+              </a:rPr>
+              <a:t>qna_links</a:t>
+            </a:r>
+            <a:endParaRPr lang="en-US" altLang="ko-KR" dirty="0">
+              <a:solidFill>
+                <a:schemeClr val="bg1"/>
+              </a:solidFill>
+            </a:endParaRPr>
+          </a:p>
+        </p:txBody>
+      </p:sp>
     </p:spTree>
     <p:extLst>
       <p:ext uri="{BB962C8B-B14F-4D97-AF65-F5344CB8AC3E}">
-        <p14:creationId xmlns:p14="http://schemas.microsoft.com/office/powerpoint/2010/main" val="614077941"/>
+        <p14:creationId xmlns:p14="http://schemas.microsoft.com/office/powerpoint/2010/main" val="3622907039"/>
       </p:ext>
     </p:extLst>
   </p:cSld>
@@ -13733,16 +14912,6 @@
               <a:defRPr/>
             </a:pPr>
             <a:r>
-              <a:rPr lang="en-US" altLang="ko-KR" sz="2800" dirty="0">
-                <a:solidFill>
-                  <a:prstClr val="black"/>
-                </a:solidFill>
-                <a:latin typeface="맑은 고딕" panose="020B0503020000020004" pitchFamily="50" charset="-127"/>
-                <a:ea typeface="맑은 고딕" panose="020B0503020000020004" pitchFamily="50" charset="-127"/>
-              </a:rPr>
-              <a:t>9</a:t>
-            </a:r>
-            <a:r>
               <a:rPr kumimoji="0" lang="en-US" altLang="ko-KR" sz="2800" b="0" i="0" u="none" strike="noStrike" kern="1200" cap="none" spc="0" normalizeH="0" baseline="0" noProof="0" dirty="0">
                 <a:ln>
                   <a:noFill/>
@@ -13757,22 +14926,25 @@
                 <a:ea typeface="맑은 고딕" panose="020B0503020000020004" pitchFamily="50" charset="-127"/>
                 <a:cs typeface="+mj-cs"/>
               </a:rPr>
-              <a:t>. ERD</a:t>
-            </a:r>
-            <a:endParaRPr kumimoji="0" lang="ko-KR" altLang="en-US" sz="2800" b="0" i="0" u="none" strike="noStrike" kern="1200" cap="none" spc="0" normalizeH="0" baseline="0" noProof="0" dirty="0">
-              <a:ln>
-                <a:noFill/>
-              </a:ln>
-              <a:solidFill>
-                <a:prstClr val="black"/>
-              </a:solidFill>
-              <a:effectLst/>
-              <a:uLnTx/>
-              <a:uFillTx/>
-              <a:latin typeface="맑은 고딕" panose="020B0503020000020004" pitchFamily="50" charset="-127"/>
-              <a:ea typeface="맑은 고딕" panose="020B0503020000020004" pitchFamily="50" charset="-127"/>
-              <a:cs typeface="+mj-cs"/>
-            </a:endParaRPr>
+              <a:t>8. </a:t>
+            </a:r>
+            <a:r>
+              <a:rPr kumimoji="0" lang="ko-KR" altLang="en-US" sz="2800" b="0" i="0" u="none" strike="noStrike" kern="1200" cap="none" spc="0" normalizeH="0" baseline="0" noProof="0" dirty="0">
+                <a:ln>
+                  <a:noFill/>
+                </a:ln>
+                <a:solidFill>
+                  <a:prstClr val="black"/>
+                </a:solidFill>
+                <a:effectLst/>
+                <a:uLnTx/>
+                <a:uFillTx/>
+                <a:latin typeface="맑은 고딕" panose="020B0503020000020004" pitchFamily="50" charset="-127"/>
+                <a:ea typeface="맑은 고딕" panose="020B0503020000020004" pitchFamily="50" charset="-127"/>
+                <a:cs typeface="+mj-cs"/>
+              </a:rPr>
+              <a:t>페이지 상세</a:t>
+            </a:r>
           </a:p>
         </p:txBody>
       </p:sp>
@@ -13858,21 +15030,14 @@
               <a:defRPr/>
             </a:pPr>
             <a:r>
-              <a:rPr kumimoji="0" lang="en-US" altLang="ko-KR" sz="1800" b="0" i="0" u="none" strike="noStrike" kern="1200" cap="none" spc="0" normalizeH="0" baseline="0" noProof="0" dirty="0">
-                <a:ln>
-                  <a:noFill/>
-                </a:ln>
+              <a:rPr lang="en-US" altLang="ko-KR" dirty="0">
                 <a:solidFill>
                   <a:prstClr val="white"/>
                 </a:solidFill>
-                <a:effectLst/>
-                <a:uLnTx/>
-                <a:uFillTx/>
                 <a:latin typeface="맑은 고딕" panose="020F0502020204030204"/>
                 <a:ea typeface="맑은 고딕" panose="020B0503020000020004" pitchFamily="50" charset="-127"/>
-                <a:cs typeface="+mn-cs"/>
-              </a:rPr>
-              <a:t>6</a:t>
+              </a:rPr>
+              <a:t>10</a:t>
             </a:r>
             <a:endParaRPr kumimoji="0" lang="ko-KR" altLang="en-US" sz="1800" b="0" i="0" u="none" strike="noStrike" kern="1200" cap="none" spc="0" normalizeH="0" baseline="0" noProof="0" dirty="0">
               <a:ln>
@@ -13891,390 +15056,10 @@
           </a:p>
         </p:txBody>
       </p:sp>
-      <p:pic>
-        <p:nvPicPr>
-          <p:cNvPr id="4" name="그림 3">
-            <a:extLst>
-              <a:ext uri="{FF2B5EF4-FFF2-40B4-BE49-F238E27FC236}">
-                <a16:creationId xmlns:a16="http://schemas.microsoft.com/office/drawing/2014/main" id="{2C16C883-2F8A-4C2A-A739-6EAFF1AB3870}"/>
-              </a:ext>
-            </a:extLst>
-          </p:cNvPr>
-          <p:cNvPicPr>
-            <a:picLocks noChangeAspect="1"/>
-          </p:cNvPicPr>
-          <p:nvPr/>
-        </p:nvPicPr>
-        <p:blipFill>
-          <a:blip r:embed="rId3"/>
-          <a:stretch>
-            <a:fillRect/>
-          </a:stretch>
-        </p:blipFill>
-        <p:spPr>
-          <a:xfrm>
-            <a:off x="543233" y="1595276"/>
-            <a:ext cx="7720777" cy="5101671"/>
-          </a:xfrm>
-          <a:prstGeom prst="rect">
-            <a:avLst/>
-          </a:prstGeom>
-        </p:spPr>
-      </p:pic>
-      <p:sp>
-        <p:nvSpPr>
-          <p:cNvPr id="5" name="TextBox 4">
-            <a:extLst>
-              <a:ext uri="{FF2B5EF4-FFF2-40B4-BE49-F238E27FC236}">
-                <a16:creationId xmlns:a16="http://schemas.microsoft.com/office/drawing/2014/main" id="{D141B6D3-B05F-4FA0-9C13-714B00EFBC7C}"/>
-              </a:ext>
-            </a:extLst>
-          </p:cNvPr>
-          <p:cNvSpPr txBox="1"/>
-          <p:nvPr/>
-        </p:nvSpPr>
-        <p:spPr>
-          <a:xfrm>
-            <a:off x="9060964" y="1650844"/>
-            <a:ext cx="1819729" cy="4990533"/>
-          </a:xfrm>
-          <a:prstGeom prst="rect">
-            <a:avLst/>
-          </a:prstGeom>
-          <a:noFill/>
-        </p:spPr>
-        <p:txBody>
-          <a:bodyPr wrap="none" rtlCol="0">
-            <a:spAutoFit/>
-          </a:bodyPr>
-          <a:lstStyle/>
-          <a:p>
-            <a:pPr>
-              <a:lnSpc>
-                <a:spcPct val="150000"/>
-              </a:lnSpc>
-            </a:pPr>
-            <a:r>
-              <a:rPr lang="ko-KR" altLang="en-US" b="1" dirty="0">
-                <a:solidFill>
-                  <a:schemeClr val="bg1"/>
-                </a:solidFill>
-              </a:rPr>
-              <a:t>☆ </a:t>
-            </a:r>
-            <a:r>
-              <a:rPr lang="en-US" altLang="ko-KR" b="1" dirty="0">
-                <a:solidFill>
-                  <a:schemeClr val="bg1"/>
-                </a:solidFill>
-              </a:rPr>
-              <a:t>List</a:t>
-            </a:r>
-          </a:p>
-          <a:p>
-            <a:pPr marL="285750" indent="-285750">
-              <a:lnSpc>
-                <a:spcPct val="150000"/>
-              </a:lnSpc>
-              <a:buFontTx/>
-              <a:buChar char="-"/>
-            </a:pPr>
-            <a:r>
-              <a:rPr lang="en-US" altLang="ko-KR" sz="1400" dirty="0" err="1">
-                <a:solidFill>
-                  <a:schemeClr val="bg1"/>
-                </a:solidFill>
-              </a:rPr>
-              <a:t>user_info</a:t>
-            </a:r>
-            <a:endParaRPr lang="en-US" altLang="ko-KR" sz="1400" dirty="0">
-              <a:solidFill>
-                <a:schemeClr val="bg1"/>
-              </a:solidFill>
-            </a:endParaRPr>
-          </a:p>
-          <a:p>
-            <a:pPr marL="285750" indent="-285750">
-              <a:lnSpc>
-                <a:spcPct val="150000"/>
-              </a:lnSpc>
-              <a:buFontTx/>
-              <a:buChar char="-"/>
-            </a:pPr>
-            <a:r>
-              <a:rPr lang="en-US" altLang="ko-KR" sz="1400" dirty="0" err="1">
-                <a:solidFill>
-                  <a:schemeClr val="bg1"/>
-                </a:solidFill>
-              </a:rPr>
-              <a:t>funeral_palce</a:t>
-            </a:r>
-            <a:endParaRPr lang="en-US" altLang="ko-KR" sz="1400" dirty="0">
-              <a:solidFill>
-                <a:schemeClr val="bg1"/>
-              </a:solidFill>
-            </a:endParaRPr>
-          </a:p>
-          <a:p>
-            <a:pPr marL="285750" indent="-285750">
-              <a:lnSpc>
-                <a:spcPct val="150000"/>
-              </a:lnSpc>
-              <a:buFontTx/>
-              <a:buChar char="-"/>
-            </a:pPr>
-            <a:r>
-              <a:rPr lang="en-US" altLang="ko-KR" sz="1400" dirty="0" err="1">
-                <a:solidFill>
-                  <a:schemeClr val="bg1"/>
-                </a:solidFill>
-              </a:rPr>
-              <a:t>funeral_reserve</a:t>
-            </a:r>
-            <a:endParaRPr lang="en-US" altLang="ko-KR" sz="1400" dirty="0">
-              <a:solidFill>
-                <a:schemeClr val="bg1"/>
-              </a:solidFill>
-            </a:endParaRPr>
-          </a:p>
-          <a:p>
-            <a:pPr marL="285750" indent="-285750">
-              <a:lnSpc>
-                <a:spcPct val="150000"/>
-              </a:lnSpc>
-              <a:buFontTx/>
-              <a:buChar char="-"/>
-            </a:pPr>
-            <a:r>
-              <a:rPr lang="en-US" altLang="ko-KR" sz="1400" dirty="0" err="1">
-                <a:solidFill>
-                  <a:schemeClr val="bg1"/>
-                </a:solidFill>
-              </a:rPr>
-              <a:t>psy_reserve</a:t>
-            </a:r>
-            <a:endParaRPr lang="en-US" altLang="ko-KR" sz="1400" dirty="0">
-              <a:solidFill>
-                <a:schemeClr val="bg1"/>
-              </a:solidFill>
-            </a:endParaRPr>
-          </a:p>
-          <a:p>
-            <a:pPr marL="285750" indent="-285750">
-              <a:lnSpc>
-                <a:spcPct val="150000"/>
-              </a:lnSpc>
-              <a:buFontTx/>
-              <a:buChar char="-"/>
-            </a:pPr>
-            <a:r>
-              <a:rPr lang="en-US" altLang="ko-KR" sz="1400" dirty="0" err="1">
-                <a:solidFill>
-                  <a:schemeClr val="bg1"/>
-                </a:solidFill>
-              </a:rPr>
-              <a:t>goods_reserve</a:t>
-            </a:r>
-            <a:endParaRPr lang="en-US" altLang="ko-KR" sz="1400" dirty="0">
-              <a:solidFill>
-                <a:schemeClr val="bg1"/>
-              </a:solidFill>
-            </a:endParaRPr>
-          </a:p>
-          <a:p>
-            <a:pPr marL="285750" indent="-285750">
-              <a:lnSpc>
-                <a:spcPct val="150000"/>
-              </a:lnSpc>
-              <a:buFontTx/>
-              <a:buChar char="-"/>
-            </a:pPr>
-            <a:r>
-              <a:rPr lang="en-US" altLang="ko-KR" sz="1400" dirty="0" err="1">
-                <a:solidFill>
-                  <a:schemeClr val="bg1"/>
-                </a:solidFill>
-              </a:rPr>
-              <a:t>ourpage_reserve</a:t>
-            </a:r>
-            <a:endParaRPr lang="en-US" altLang="ko-KR" sz="1400" dirty="0">
-              <a:solidFill>
-                <a:schemeClr val="bg1"/>
-              </a:solidFill>
-            </a:endParaRPr>
-          </a:p>
-          <a:p>
-            <a:pPr marL="285750" indent="-285750">
-              <a:lnSpc>
-                <a:spcPct val="150000"/>
-              </a:lnSpc>
-              <a:buFontTx/>
-              <a:buChar char="-"/>
-            </a:pPr>
-            <a:r>
-              <a:rPr lang="en-US" altLang="ko-KR" sz="1400" dirty="0" err="1">
-                <a:solidFill>
-                  <a:schemeClr val="bg1"/>
-                </a:solidFill>
-              </a:rPr>
-              <a:t>community_post</a:t>
-            </a:r>
-            <a:endParaRPr lang="en-US" altLang="ko-KR" sz="1400" dirty="0">
-              <a:solidFill>
-                <a:schemeClr val="bg1"/>
-              </a:solidFill>
-            </a:endParaRPr>
-          </a:p>
-          <a:p>
-            <a:pPr marL="285750" indent="-285750">
-              <a:lnSpc>
-                <a:spcPct val="150000"/>
-              </a:lnSpc>
-              <a:buFontTx/>
-              <a:buChar char="-"/>
-            </a:pPr>
-            <a:r>
-              <a:rPr lang="en-US" altLang="ko-KR" sz="1400" dirty="0" err="1">
-                <a:solidFill>
-                  <a:schemeClr val="bg1"/>
-                </a:solidFill>
-              </a:rPr>
-              <a:t>post_like</a:t>
-            </a:r>
-            <a:endParaRPr lang="en-US" altLang="ko-KR" sz="1400" dirty="0">
-              <a:solidFill>
-                <a:schemeClr val="bg1"/>
-              </a:solidFill>
-            </a:endParaRPr>
-          </a:p>
-          <a:p>
-            <a:pPr marL="285750" indent="-285750">
-              <a:lnSpc>
-                <a:spcPct val="150000"/>
-              </a:lnSpc>
-              <a:buFontTx/>
-              <a:buChar char="-"/>
-            </a:pPr>
-            <a:r>
-              <a:rPr lang="en-US" altLang="ko-KR" sz="1400" dirty="0" err="1">
-                <a:solidFill>
-                  <a:schemeClr val="bg1"/>
-                </a:solidFill>
-              </a:rPr>
-              <a:t>post_comment</a:t>
-            </a:r>
-            <a:endParaRPr lang="en-US" altLang="ko-KR" sz="1400" dirty="0">
-              <a:solidFill>
-                <a:schemeClr val="bg1"/>
-              </a:solidFill>
-            </a:endParaRPr>
-          </a:p>
-          <a:p>
-            <a:pPr marL="285750" indent="-285750">
-              <a:lnSpc>
-                <a:spcPct val="150000"/>
-              </a:lnSpc>
-              <a:buFontTx/>
-              <a:buChar char="-"/>
-            </a:pPr>
-            <a:r>
-              <a:rPr lang="en-US" altLang="ko-KR" sz="1400" dirty="0">
-                <a:solidFill>
-                  <a:schemeClr val="bg1"/>
-                </a:solidFill>
-              </a:rPr>
-              <a:t>follow</a:t>
-            </a:r>
-          </a:p>
-          <a:p>
-            <a:pPr marL="285750" indent="-285750">
-              <a:lnSpc>
-                <a:spcPct val="150000"/>
-              </a:lnSpc>
-              <a:buFontTx/>
-              <a:buChar char="-"/>
-            </a:pPr>
-            <a:r>
-              <a:rPr lang="en-US" altLang="ko-KR" sz="1400" dirty="0">
-                <a:solidFill>
-                  <a:schemeClr val="bg1"/>
-                </a:solidFill>
-              </a:rPr>
-              <a:t>payments</a:t>
-            </a:r>
-          </a:p>
-          <a:p>
-            <a:pPr marL="285750" indent="-285750">
-              <a:lnSpc>
-                <a:spcPct val="150000"/>
-              </a:lnSpc>
-              <a:buFontTx/>
-              <a:buChar char="-"/>
-            </a:pPr>
-            <a:r>
-              <a:rPr lang="en-US" altLang="ko-KR" sz="1400" dirty="0" err="1">
-                <a:solidFill>
-                  <a:schemeClr val="bg1"/>
-                </a:solidFill>
-              </a:rPr>
-              <a:t>qna_board</a:t>
-            </a:r>
-            <a:endParaRPr lang="en-US" altLang="ko-KR" sz="1400" dirty="0">
-              <a:solidFill>
-                <a:schemeClr val="bg1"/>
-              </a:solidFill>
-            </a:endParaRPr>
-          </a:p>
-          <a:p>
-            <a:pPr marL="285750" indent="-285750">
-              <a:lnSpc>
-                <a:spcPct val="150000"/>
-              </a:lnSpc>
-              <a:buFontTx/>
-              <a:buChar char="-"/>
-            </a:pPr>
-            <a:r>
-              <a:rPr lang="en-US" altLang="ko-KR" sz="1400" dirty="0" err="1">
-                <a:solidFill>
-                  <a:schemeClr val="bg1"/>
-                </a:solidFill>
-              </a:rPr>
-              <a:t>qna_images</a:t>
-            </a:r>
-            <a:endParaRPr lang="en-US" altLang="ko-KR" sz="1400" dirty="0">
-              <a:solidFill>
-                <a:schemeClr val="bg1"/>
-              </a:solidFill>
-            </a:endParaRPr>
-          </a:p>
-          <a:p>
-            <a:pPr marL="285750" indent="-285750">
-              <a:lnSpc>
-                <a:spcPct val="150000"/>
-              </a:lnSpc>
-              <a:buFontTx/>
-              <a:buChar char="-"/>
-            </a:pPr>
-            <a:r>
-              <a:rPr lang="en-US" altLang="ko-KR" sz="1400" dirty="0" err="1">
-                <a:solidFill>
-                  <a:schemeClr val="bg1"/>
-                </a:solidFill>
-              </a:rPr>
-              <a:t>qna_links</a:t>
-            </a:r>
-            <a:endParaRPr lang="en-US" altLang="ko-KR" dirty="0">
-              <a:solidFill>
-                <a:schemeClr val="bg1"/>
-              </a:solidFill>
-            </a:endParaRPr>
-          </a:p>
-        </p:txBody>
-      </p:sp>
     </p:spTree>
     <p:extLst>
       <p:ext uri="{BB962C8B-B14F-4D97-AF65-F5344CB8AC3E}">
-        <p14:creationId xmlns:p14="http://schemas.microsoft.com/office/powerpoint/2010/main" val="3622907039"/>
+        <p14:creationId xmlns:p14="http://schemas.microsoft.com/office/powerpoint/2010/main" val="423154394"/>
       </p:ext>
     </p:extLst>
   </p:cSld>
